--- a/slides/01-math-statements.pptx
+++ b/slides/01-math-statements.pptx
@@ -5,7 +5,7 @@
     <p:sldMasterId id="2147483852" r:id="rId1"/>
   </p:sldMasterIdLst>
   <p:notesMasterIdLst>
-    <p:notesMasterId r:id="rId40"/>
+    <p:notesMasterId r:id="rId41"/>
   </p:notesMasterIdLst>
   <p:sldIdLst>
     <p:sldId id="256" r:id="rId2"/>
@@ -16,36 +16,37 @@
     <p:sldId id="262" r:id="rId7"/>
     <p:sldId id="263" r:id="rId8"/>
     <p:sldId id="264" r:id="rId9"/>
-    <p:sldId id="266" r:id="rId10"/>
-    <p:sldId id="265" r:id="rId11"/>
-    <p:sldId id="267" r:id="rId12"/>
-    <p:sldId id="268" r:id="rId13"/>
-    <p:sldId id="270" r:id="rId14"/>
-    <p:sldId id="326" r:id="rId15"/>
-    <p:sldId id="271" r:id="rId16"/>
-    <p:sldId id="272" r:id="rId17"/>
-    <p:sldId id="327" r:id="rId18"/>
-    <p:sldId id="328" r:id="rId19"/>
-    <p:sldId id="329" r:id="rId20"/>
-    <p:sldId id="331" r:id="rId21"/>
-    <p:sldId id="332" r:id="rId22"/>
-    <p:sldId id="330" r:id="rId23"/>
-    <p:sldId id="333" r:id="rId24"/>
-    <p:sldId id="334" r:id="rId25"/>
-    <p:sldId id="335" r:id="rId26"/>
-    <p:sldId id="336" r:id="rId27"/>
-    <p:sldId id="337" r:id="rId28"/>
-    <p:sldId id="338" r:id="rId29"/>
-    <p:sldId id="339" r:id="rId30"/>
-    <p:sldId id="340" r:id="rId31"/>
-    <p:sldId id="341" r:id="rId32"/>
-    <p:sldId id="342" r:id="rId33"/>
-    <p:sldId id="343" r:id="rId34"/>
-    <p:sldId id="344" r:id="rId35"/>
-    <p:sldId id="345" r:id="rId36"/>
-    <p:sldId id="346" r:id="rId37"/>
-    <p:sldId id="347" r:id="rId38"/>
-    <p:sldId id="348" r:id="rId39"/>
+    <p:sldId id="349" r:id="rId10"/>
+    <p:sldId id="266" r:id="rId11"/>
+    <p:sldId id="265" r:id="rId12"/>
+    <p:sldId id="267" r:id="rId13"/>
+    <p:sldId id="268" r:id="rId14"/>
+    <p:sldId id="270" r:id="rId15"/>
+    <p:sldId id="326" r:id="rId16"/>
+    <p:sldId id="271" r:id="rId17"/>
+    <p:sldId id="272" r:id="rId18"/>
+    <p:sldId id="327" r:id="rId19"/>
+    <p:sldId id="328" r:id="rId20"/>
+    <p:sldId id="329" r:id="rId21"/>
+    <p:sldId id="331" r:id="rId22"/>
+    <p:sldId id="332" r:id="rId23"/>
+    <p:sldId id="330" r:id="rId24"/>
+    <p:sldId id="333" r:id="rId25"/>
+    <p:sldId id="334" r:id="rId26"/>
+    <p:sldId id="335" r:id="rId27"/>
+    <p:sldId id="336" r:id="rId28"/>
+    <p:sldId id="337" r:id="rId29"/>
+    <p:sldId id="338" r:id="rId30"/>
+    <p:sldId id="339" r:id="rId31"/>
+    <p:sldId id="340" r:id="rId32"/>
+    <p:sldId id="341" r:id="rId33"/>
+    <p:sldId id="342" r:id="rId34"/>
+    <p:sldId id="343" r:id="rId35"/>
+    <p:sldId id="344" r:id="rId36"/>
+    <p:sldId id="345" r:id="rId37"/>
+    <p:sldId id="346" r:id="rId38"/>
+    <p:sldId id="347" r:id="rId39"/>
+    <p:sldId id="348" r:id="rId40"/>
   </p:sldIdLst>
   <p:sldSz cx="12192000" cy="6858000"/>
   <p:notesSz cx="6858000" cy="9144000"/>
@@ -234,7 +235,7 @@
           <a:p>
             <a:fld id="{3CBB8A52-8AC5-C74C-97FB-632C448F3674}" type="datetimeFigureOut">
               <a:rPr lang="en-US" smtClean="0"/>
-              <a:t>12/21/23</a:t>
+              <a:t>1/16/24</a:t>
             </a:fld>
             <a:endParaRPr lang="en-US"/>
           </a:p>
@@ -566,7 +567,7 @@
           <a:p>
             <a:fld id="{E666506D-5C9B-294C-B2AE-15ACE8B5B9F7}" type="slidenum">
               <a:rPr lang="en-US" smtClean="0"/>
-              <a:t>13</a:t>
+              <a:t>14</a:t>
             </a:fld>
             <a:endParaRPr lang="en-US"/>
           </a:p>
@@ -650,7 +651,7 @@
           <a:p>
             <a:fld id="{77F12483-E947-6F4E-A75E-B2E677827779}" type="slidenum">
               <a:rPr lang="en-US" smtClean="0"/>
-              <a:t>24</a:t>
+              <a:t>25</a:t>
             </a:fld>
             <a:endParaRPr lang="en-US"/>
           </a:p>
@@ -734,7 +735,7 @@
           <a:p>
             <a:fld id="{77F12483-E947-6F4E-A75E-B2E677827779}" type="slidenum">
               <a:rPr lang="en-US" smtClean="0"/>
-              <a:t>25</a:t>
+              <a:t>26</a:t>
             </a:fld>
             <a:endParaRPr lang="en-US"/>
           </a:p>
@@ -818,7 +819,7 @@
           <a:p>
             <a:fld id="{77F12483-E947-6F4E-A75E-B2E677827779}" type="slidenum">
               <a:rPr lang="en-US" smtClean="0"/>
-              <a:t>26</a:t>
+              <a:t>27</a:t>
             </a:fld>
             <a:endParaRPr lang="en-US"/>
           </a:p>
@@ -902,7 +903,7 @@
           <a:p>
             <a:fld id="{77F12483-E947-6F4E-A75E-B2E677827779}" type="slidenum">
               <a:rPr lang="en-US" smtClean="0"/>
-              <a:t>27</a:t>
+              <a:t>28</a:t>
             </a:fld>
             <a:endParaRPr lang="en-US"/>
           </a:p>
@@ -986,7 +987,7 @@
           <a:p>
             <a:fld id="{77F12483-E947-6F4E-A75E-B2E677827779}" type="slidenum">
               <a:rPr lang="en-US" smtClean="0"/>
-              <a:t>28</a:t>
+              <a:t>29</a:t>
             </a:fld>
             <a:endParaRPr lang="en-US"/>
           </a:p>
@@ -1070,7 +1071,7 @@
           <a:p>
             <a:fld id="{77F12483-E947-6F4E-A75E-B2E677827779}" type="slidenum">
               <a:rPr lang="en-US" smtClean="0"/>
-              <a:t>29</a:t>
+              <a:t>30</a:t>
             </a:fld>
             <a:endParaRPr lang="en-US"/>
           </a:p>
@@ -1154,7 +1155,7 @@
           <a:p>
             <a:fld id="{77F12483-E947-6F4E-A75E-B2E677827779}" type="slidenum">
               <a:rPr lang="en-US" smtClean="0"/>
-              <a:t>30</a:t>
+              <a:t>31</a:t>
             </a:fld>
             <a:endParaRPr lang="en-US"/>
           </a:p>
@@ -1238,7 +1239,7 @@
           <a:p>
             <a:fld id="{77F12483-E947-6F4E-A75E-B2E677827779}" type="slidenum">
               <a:rPr lang="en-US" smtClean="0"/>
-              <a:t>31</a:t>
+              <a:t>32</a:t>
             </a:fld>
             <a:endParaRPr lang="en-US"/>
           </a:p>
@@ -1322,7 +1323,7 @@
           <a:p>
             <a:fld id="{77F12483-E947-6F4E-A75E-B2E677827779}" type="slidenum">
               <a:rPr lang="en-US" smtClean="0"/>
-              <a:t>32</a:t>
+              <a:t>33</a:t>
             </a:fld>
             <a:endParaRPr lang="en-US"/>
           </a:p>
@@ -1406,7 +1407,7 @@
           <a:p>
             <a:fld id="{77F12483-E947-6F4E-A75E-B2E677827779}" type="slidenum">
               <a:rPr lang="en-US" smtClean="0"/>
-              <a:t>33</a:t>
+              <a:t>34</a:t>
             </a:fld>
             <a:endParaRPr lang="en-US"/>
           </a:p>
@@ -1512,7 +1513,7 @@
           <a:p>
             <a:fld id="{77F12483-E947-6F4E-A75E-B2E677827779}" type="slidenum">
               <a:rPr lang="en-US" smtClean="0"/>
-              <a:t>16</a:t>
+              <a:t>17</a:t>
             </a:fld>
             <a:endParaRPr lang="en-US"/>
           </a:p>
@@ -1596,7 +1597,7 @@
           <a:p>
             <a:fld id="{77F12483-E947-6F4E-A75E-B2E677827779}" type="slidenum">
               <a:rPr lang="en-US" smtClean="0"/>
-              <a:t>34</a:t>
+              <a:t>35</a:t>
             </a:fld>
             <a:endParaRPr lang="en-US"/>
           </a:p>
@@ -1680,7 +1681,7 @@
           <a:p>
             <a:fld id="{77F12483-E947-6F4E-A75E-B2E677827779}" type="slidenum">
               <a:rPr lang="en-US" smtClean="0"/>
-              <a:t>35</a:t>
+              <a:t>36</a:t>
             </a:fld>
             <a:endParaRPr lang="en-US"/>
           </a:p>
@@ -1764,7 +1765,7 @@
           <a:p>
             <a:fld id="{77F12483-E947-6F4E-A75E-B2E677827779}" type="slidenum">
               <a:rPr lang="en-US" smtClean="0"/>
-              <a:t>36</a:t>
+              <a:t>37</a:t>
             </a:fld>
             <a:endParaRPr lang="en-US"/>
           </a:p>
@@ -1848,7 +1849,7 @@
           <a:p>
             <a:fld id="{77F12483-E947-6F4E-A75E-B2E677827779}" type="slidenum">
               <a:rPr lang="en-US" smtClean="0"/>
-              <a:t>37</a:t>
+              <a:t>38</a:t>
             </a:fld>
             <a:endParaRPr lang="en-US"/>
           </a:p>
@@ -1932,7 +1933,7 @@
           <a:p>
             <a:fld id="{77F12483-E947-6F4E-A75E-B2E677827779}" type="slidenum">
               <a:rPr lang="en-US" smtClean="0"/>
-              <a:t>38</a:t>
+              <a:t>39</a:t>
             </a:fld>
             <a:endParaRPr lang="en-US"/>
           </a:p>
@@ -2038,7 +2039,7 @@
           <a:p>
             <a:fld id="{77F12483-E947-6F4E-A75E-B2E677827779}" type="slidenum">
               <a:rPr lang="en-US" smtClean="0"/>
-              <a:t>17</a:t>
+              <a:t>18</a:t>
             </a:fld>
             <a:endParaRPr lang="en-US"/>
           </a:p>
@@ -2122,7 +2123,7 @@
           <a:p>
             <a:fld id="{77F12483-E947-6F4E-A75E-B2E677827779}" type="slidenum">
               <a:rPr lang="en-US" smtClean="0"/>
-              <a:t>18</a:t>
+              <a:t>19</a:t>
             </a:fld>
             <a:endParaRPr lang="en-US"/>
           </a:p>
@@ -2206,7 +2207,7 @@
           <a:p>
             <a:fld id="{77F12483-E947-6F4E-A75E-B2E677827779}" type="slidenum">
               <a:rPr lang="en-US" smtClean="0"/>
-              <a:t>19</a:t>
+              <a:t>20</a:t>
             </a:fld>
             <a:endParaRPr lang="en-US"/>
           </a:p>
@@ -2290,7 +2291,7 @@
           <a:p>
             <a:fld id="{77F12483-E947-6F4E-A75E-B2E677827779}" type="slidenum">
               <a:rPr lang="en-US" smtClean="0"/>
-              <a:t>20</a:t>
+              <a:t>21</a:t>
             </a:fld>
             <a:endParaRPr lang="en-US"/>
           </a:p>
@@ -2401,7 +2402,7 @@
           <a:p>
             <a:fld id="{77F12483-E947-6F4E-A75E-B2E677827779}" type="slidenum">
               <a:rPr lang="en-US" smtClean="0"/>
-              <a:t>21</a:t>
+              <a:t>22</a:t>
             </a:fld>
             <a:endParaRPr lang="en-US"/>
           </a:p>
@@ -2485,7 +2486,7 @@
           <a:p>
             <a:fld id="{77F12483-E947-6F4E-A75E-B2E677827779}" type="slidenum">
               <a:rPr lang="en-US" smtClean="0"/>
-              <a:t>22</a:t>
+              <a:t>23</a:t>
             </a:fld>
             <a:endParaRPr lang="en-US"/>
           </a:p>
@@ -2569,7 +2570,7 @@
           <a:p>
             <a:fld id="{77F12483-E947-6F4E-A75E-B2E677827779}" type="slidenum">
               <a:rPr lang="en-US" smtClean="0"/>
-              <a:t>23</a:t>
+              <a:t>24</a:t>
             </a:fld>
             <a:endParaRPr lang="en-US"/>
           </a:p>
@@ -2813,7 +2814,7 @@
             <a:fld id="{5586B75A-687E-405C-8A0B-8D00578BA2C3}" type="datetimeFigureOut">
               <a:rPr lang="en-US" smtClean="0"/>
               <a:pPr/>
-              <a:t>12/21/23</a:t>
+              <a:t>1/16/24</a:t>
             </a:fld>
             <a:endParaRPr lang="en-US" dirty="0"/>
           </a:p>
@@ -2985,7 +2986,7 @@
             <a:fld id="{5586B75A-687E-405C-8A0B-8D00578BA2C3}" type="datetimeFigureOut">
               <a:rPr lang="en-US" smtClean="0"/>
               <a:pPr/>
-              <a:t>12/21/23</a:t>
+              <a:t>1/16/24</a:t>
             </a:fld>
             <a:endParaRPr lang="en-US" dirty="0"/>
           </a:p>
@@ -3167,7 +3168,7 @@
             <a:fld id="{5586B75A-687E-405C-8A0B-8D00578BA2C3}" type="datetimeFigureOut">
               <a:rPr lang="en-US" smtClean="0"/>
               <a:pPr/>
-              <a:t>12/21/23</a:t>
+              <a:t>1/16/24</a:t>
             </a:fld>
             <a:endParaRPr lang="en-US" dirty="0"/>
           </a:p>
@@ -3339,7 +3340,7 @@
             <a:fld id="{5586B75A-687E-405C-8A0B-8D00578BA2C3}" type="datetimeFigureOut">
               <a:rPr lang="en-US" smtClean="0"/>
               <a:pPr/>
-              <a:t>12/21/23</a:t>
+              <a:t>1/16/24</a:t>
             </a:fld>
             <a:endParaRPr lang="en-US" dirty="0"/>
           </a:p>
@@ -3595,7 +3596,7 @@
             <a:fld id="{5586B75A-687E-405C-8A0B-8D00578BA2C3}" type="datetimeFigureOut">
               <a:rPr lang="en-US" smtClean="0"/>
               <a:pPr/>
-              <a:t>12/21/23</a:t>
+              <a:t>1/16/24</a:t>
             </a:fld>
             <a:endParaRPr lang="en-US" dirty="0"/>
           </a:p>
@@ -3885,7 +3886,7 @@
             <a:fld id="{5586B75A-687E-405C-8A0B-8D00578BA2C3}" type="datetimeFigureOut">
               <a:rPr lang="en-US" smtClean="0"/>
               <a:pPr/>
-              <a:t>12/21/23</a:t>
+              <a:t>1/16/24</a:t>
             </a:fld>
             <a:endParaRPr lang="en-US" dirty="0"/>
           </a:p>
@@ -4329,7 +4330,7 @@
             <a:fld id="{5586B75A-687E-405C-8A0B-8D00578BA2C3}" type="datetimeFigureOut">
               <a:rPr lang="en-US" smtClean="0"/>
               <a:pPr/>
-              <a:t>12/21/23</a:t>
+              <a:t>1/16/24</a:t>
             </a:fld>
             <a:endParaRPr lang="en-US" dirty="0"/>
           </a:p>
@@ -4449,7 +4450,7 @@
             <a:fld id="{5586B75A-687E-405C-8A0B-8D00578BA2C3}" type="datetimeFigureOut">
               <a:rPr lang="en-US" smtClean="0"/>
               <a:pPr/>
-              <a:t>12/21/23</a:t>
+              <a:t>1/16/24</a:t>
             </a:fld>
             <a:endParaRPr lang="en-US" dirty="0"/>
           </a:p>
@@ -4546,7 +4547,7 @@
             <a:fld id="{5586B75A-687E-405C-8A0B-8D00578BA2C3}" type="datetimeFigureOut">
               <a:rPr lang="en-US" smtClean="0"/>
               <a:pPr/>
-              <a:t>12/21/23</a:t>
+              <a:t>1/16/24</a:t>
             </a:fld>
             <a:endParaRPr lang="en-US" dirty="0"/>
           </a:p>
@@ -4836,7 +4837,7 @@
             <a:fld id="{5586B75A-687E-405C-8A0B-8D00578BA2C3}" type="datetimeFigureOut">
               <a:rPr lang="en-US" smtClean="0"/>
               <a:pPr/>
-              <a:t>12/21/23</a:t>
+              <a:t>1/16/24</a:t>
             </a:fld>
             <a:endParaRPr lang="en-US" dirty="0"/>
           </a:p>
@@ -5111,7 +5112,7 @@
             <a:fld id="{5586B75A-687E-405C-8A0B-8D00578BA2C3}" type="datetimeFigureOut">
               <a:rPr lang="en-US" smtClean="0"/>
               <a:pPr/>
-              <a:t>12/21/23</a:t>
+              <a:t>1/16/24</a:t>
             </a:fld>
             <a:endParaRPr lang="en-US" dirty="0"/>
           </a:p>
@@ -5410,7 +5411,7 @@
             <a:fld id="{5586B75A-687E-405C-8A0B-8D00578BA2C3}" type="datetimeFigureOut">
               <a:rPr lang="en-US" smtClean="0"/>
               <a:pPr/>
-              <a:t>12/21/23</a:t>
+              <a:t>1/16/24</a:t>
             </a:fld>
             <a:endParaRPr lang="en-US" dirty="0"/>
           </a:p>
@@ -5987,7 +5988,7 @@
           <p:cNvPr id="2" name="Title 1">
             <a:extLst>
               <a:ext uri="{FF2B5EF4-FFF2-40B4-BE49-F238E27FC236}">
-                <a16:creationId xmlns:a16="http://schemas.microsoft.com/office/drawing/2014/main" id="{3FDFA59A-C0BF-FAF2-BCD0-AABD2AD46B7D}"/>
+                <a16:creationId xmlns:a16="http://schemas.microsoft.com/office/drawing/2014/main" id="{B4FC2440-5A19-98D6-370E-25F8333364F2}"/>
               </a:ext>
             </a:extLst>
           </p:cNvPr>
@@ -6005,17 +6006,17 @@
           <a:p>
             <a:r>
               <a:rPr lang="en-US" dirty="0"/>
-              <a:t>What Is This Class?</a:t>
-            </a:r>
-          </a:p>
-        </p:txBody>
-      </p:sp>
-      <p:sp>
-        <p:nvSpPr>
-          <p:cNvPr id="3" name="Content Placeholder 2">
+              <a:t>What You Will Learn &amp; Logistics </a:t>
+            </a:r>
+          </a:p>
+        </p:txBody>
+      </p:sp>
+      <p:sp>
+        <p:nvSpPr>
+          <p:cNvPr id="3" name="Text Placeholder 2">
             <a:extLst>
               <a:ext uri="{FF2B5EF4-FFF2-40B4-BE49-F238E27FC236}">
-                <a16:creationId xmlns:a16="http://schemas.microsoft.com/office/drawing/2014/main" id="{3A1E2A38-7A0E-C863-2691-71DAB5BA072C}"/>
+                <a16:creationId xmlns:a16="http://schemas.microsoft.com/office/drawing/2014/main" id="{5E113A61-3C39-B61C-6B39-4F616BBB0422}"/>
               </a:ext>
             </a:extLst>
           </p:cNvPr>
@@ -6023,67 +6024,22 @@
             <a:spLocks noGrp="1"/>
           </p:cNvSpPr>
           <p:nvPr>
-            <p:ph idx="1"/>
+            <p:ph type="body" idx="1"/>
           </p:nvPr>
         </p:nvSpPr>
         <p:spPr/>
         <p:txBody>
-          <a:bodyPr anchor="t">
-            <a:normAutofit/>
-          </a:bodyPr>
-          <a:lstStyle/>
-          <a:p>
-            <a:r>
-              <a:rPr lang="en-US" sz="3200" dirty="0"/>
-              <a:t>An introduction to discrete mathematics</a:t>
-            </a:r>
-          </a:p>
-          <a:p>
-            <a:r>
-              <a:rPr lang="en-US" sz="3200" dirty="0"/>
-              <a:t>You will learn to…</a:t>
-            </a:r>
-          </a:p>
-          <a:p>
-            <a:pPr lvl="1"/>
-            <a:r>
-              <a:rPr lang="en-US" sz="3000" dirty="0"/>
-              <a:t>Logically prove mathematical statements </a:t>
-            </a:r>
-          </a:p>
-          <a:p>
-            <a:pPr lvl="1"/>
-            <a:r>
-              <a:rPr lang="en-US" sz="3000" dirty="0"/>
-              <a:t>Model scenarios combinatorically </a:t>
-            </a:r>
-          </a:p>
-          <a:p>
-            <a:pPr lvl="1"/>
-            <a:r>
-              <a:rPr lang="en-US" sz="3000" dirty="0"/>
-              <a:t>Describe functions, relations, and sequences</a:t>
-            </a:r>
-          </a:p>
-          <a:p>
-            <a:pPr lvl="1"/>
-            <a:r>
-              <a:rPr lang="en-US" sz="3000" dirty="0"/>
-              <a:t>Model scenarios graphically </a:t>
-            </a:r>
-          </a:p>
-          <a:p>
-            <a:endParaRPr lang="en-US" sz="3200" dirty="0"/>
-          </a:p>
-          <a:p>
-            <a:endParaRPr lang="en-US" sz="3200" dirty="0"/>
+          <a:bodyPr/>
+          <a:lstStyle/>
+          <a:p>
+            <a:endParaRPr lang="en-US"/>
           </a:p>
         </p:txBody>
       </p:sp>
     </p:spTree>
     <p:extLst>
       <p:ext uri="{BB962C8B-B14F-4D97-AF65-F5344CB8AC3E}">
-        <p14:creationId xmlns:p14="http://schemas.microsoft.com/office/powerpoint/2010/main" val="1316648959"/>
+        <p14:creationId xmlns:p14="http://schemas.microsoft.com/office/powerpoint/2010/main" val="2450587430"/>
       </p:ext>
     </p:extLst>
   </p:cSld>
@@ -6132,8 +6088,8 @@
           <a:lstStyle/>
           <a:p>
             <a:r>
-              <a:rPr lang="en-US" b="1" dirty="0"/>
-              <a:t>**Important Info** </a:t>
+              <a:rPr lang="en-US" dirty="0"/>
+              <a:t>What Is This Class?</a:t>
             </a:r>
           </a:p>
         </p:txBody>
@@ -6161,78 +6117,57 @@
           </a:bodyPr>
           <a:lstStyle/>
           <a:p>
-            <a:endParaRPr lang="en-US" sz="3000" dirty="0"/>
-          </a:p>
-          <a:p>
             <a:r>
               <a:rPr lang="en-US" sz="3200" dirty="0"/>
-              <a:t>Course website (</a:t>
-            </a:r>
-            <a:r>
-              <a:rPr lang="en-US" sz="3200" b="1" dirty="0"/>
-              <a:t>write this down</a:t>
-            </a:r>
+              <a:t>An introduction to discrete mathematics</a:t>
+            </a:r>
+          </a:p>
+          <a:p>
             <a:r>
               <a:rPr lang="en-US" sz="3200" dirty="0"/>
-              <a:t>!): </a:t>
-            </a:r>
-            <a:r>
-              <a:rPr lang="en-US" sz="3200" dirty="0">
-                <a:hlinkClick r:id="rId2"/>
-              </a:rPr>
-              <a:t>https://amosca01.github.io/CAIS117-S24/</a:t>
-            </a:r>
-            <a:r>
-              <a:rPr lang="en-US" sz="3200" dirty="0"/>
-              <a:t> </a:t>
-            </a:r>
-          </a:p>
-          <a:p>
-            <a:pPr marL="0" indent="0">
-              <a:buNone/>
-            </a:pPr>
+              <a:t>You will learn to…</a:t>
+            </a:r>
+          </a:p>
+          <a:p>
+            <a:pPr lvl="1"/>
+            <a:r>
+              <a:rPr lang="en-US" sz="3000" dirty="0"/>
+              <a:t>Logically prove mathematical statements </a:t>
+            </a:r>
+          </a:p>
+          <a:p>
+            <a:pPr lvl="1"/>
+            <a:r>
+              <a:rPr lang="en-US" sz="3000" dirty="0"/>
+              <a:t>Model scenarios combinatorically </a:t>
+            </a:r>
+          </a:p>
+          <a:p>
+            <a:pPr lvl="1"/>
+            <a:r>
+              <a:rPr lang="en-US" sz="3000" dirty="0"/>
+              <a:t>Describe functions, relations, and sequences</a:t>
+            </a:r>
+          </a:p>
+          <a:p>
+            <a:pPr lvl="1"/>
+            <a:r>
+              <a:rPr lang="en-US" sz="3000" dirty="0"/>
+              <a:t>Model scenarios graphically </a:t>
+            </a:r>
+          </a:p>
+          <a:p>
             <a:endParaRPr lang="en-US" sz="3200" dirty="0"/>
           </a:p>
           <a:p>
-            <a:r>
-              <a:rPr lang="en-US" sz="3200" dirty="0"/>
-              <a:t>Office Hours</a:t>
-            </a:r>
-          </a:p>
-          <a:p>
-            <a:pPr lvl="1"/>
-            <a:r>
-              <a:rPr lang="en-US" sz="3000" dirty="0"/>
-              <a:t>Wilson Hall 325</a:t>
-            </a:r>
-          </a:p>
-          <a:p>
-            <a:pPr lvl="2"/>
-            <a:r>
-              <a:rPr lang="en-US" sz="2800" dirty="0"/>
-              <a:t>Wednesday 09:30 - 11:00</a:t>
-            </a:r>
-          </a:p>
-          <a:p>
-            <a:pPr lvl="2"/>
-            <a:r>
-              <a:rPr lang="en-US" sz="2800" dirty="0"/>
-              <a:t>Thursday 14:30 - 16:30</a:t>
-            </a:r>
-          </a:p>
-          <a:p>
-            <a:pPr lvl="2"/>
-            <a:r>
-              <a:rPr lang="en-US" sz="2800" dirty="0"/>
-              <a:t>By Appointment </a:t>
-            </a:r>
+            <a:endParaRPr lang="en-US" sz="3200" dirty="0"/>
           </a:p>
         </p:txBody>
       </p:sp>
     </p:spTree>
     <p:extLst>
       <p:ext uri="{BB962C8B-B14F-4D97-AF65-F5344CB8AC3E}">
-        <p14:creationId xmlns:p14="http://schemas.microsoft.com/office/powerpoint/2010/main" val="763381702"/>
+        <p14:creationId xmlns:p14="http://schemas.microsoft.com/office/powerpoint/2010/main" val="1316648959"/>
       </p:ext>
     </p:extLst>
   </p:cSld>
@@ -6303,114 +6238,82 @@
             <p:ph idx="1"/>
           </p:nvPr>
         </p:nvSpPr>
-        <p:spPr/>
+        <p:spPr>
+          <a:xfrm>
+            <a:off x="3869268" y="864108"/>
+            <a:ext cx="7713132" cy="5120640"/>
+          </a:xfrm>
+        </p:spPr>
         <p:txBody>
           <a:bodyPr anchor="t">
             <a:normAutofit/>
           </a:bodyPr>
           <a:lstStyle/>
           <a:p>
-            <a:endParaRPr lang="en-US" sz="1800" dirty="0"/>
-          </a:p>
-          <a:p>
+            <a:endParaRPr lang="en-US" sz="3000" dirty="0"/>
+          </a:p>
+          <a:p>
+            <a:r>
+              <a:rPr lang="en-US" sz="3200" dirty="0"/>
+              <a:t>Course website (</a:t>
+            </a:r>
+            <a:r>
+              <a:rPr lang="en-US" sz="3200" b="1" dirty="0"/>
+              <a:t>write this down</a:t>
+            </a:r>
+            <a:r>
+              <a:rPr lang="en-US" sz="3200" dirty="0"/>
+              <a:t>!): </a:t>
+            </a:r>
+            <a:r>
+              <a:rPr lang="en-US" sz="3200" dirty="0">
+                <a:hlinkClick r:id="rId2"/>
+              </a:rPr>
+              <a:t>https://amosca01.github.io/MATH220-S24/</a:t>
+            </a:r>
+            <a:r>
+              <a:rPr lang="en-US" sz="3200" dirty="0"/>
+              <a:t> </a:t>
+            </a:r>
+          </a:p>
+          <a:p>
+            <a:pPr marL="0" indent="0">
+              <a:buNone/>
+            </a:pPr>
+            <a:endParaRPr lang="en-US" sz="3200" dirty="0"/>
+          </a:p>
+          <a:p>
+            <a:r>
+              <a:rPr lang="en-US" sz="3200" dirty="0"/>
+              <a:t>Office Hours</a:t>
+            </a:r>
+          </a:p>
+          <a:p>
+            <a:pPr lvl="1"/>
+            <a:r>
+              <a:rPr lang="en-US" sz="3000" dirty="0"/>
+              <a:t>Wilson Hall 325</a:t>
+            </a:r>
+          </a:p>
+          <a:p>
+            <a:pPr lvl="2"/>
             <a:r>
               <a:rPr lang="en-US" sz="2800" dirty="0"/>
-              <a:t>Textbook: </a:t>
-            </a:r>
-            <a:r>
-              <a:rPr lang="en-US" sz="2800" i="1" dirty="0"/>
-              <a:t>Discrete Mathematics: An Open Introduction</a:t>
-            </a:r>
+              <a:t>Wednesday 09:30 - 11:00</a:t>
+            </a:r>
+          </a:p>
+          <a:p>
+            <a:pPr lvl="2"/>
             <a:r>
               <a:rPr lang="en-US" sz="2800" dirty="0"/>
-              <a:t>, 3</a:t>
-            </a:r>
-            <a:r>
-              <a:rPr lang="en-US" sz="2800" baseline="30000" dirty="0"/>
-              <a:t>rd</a:t>
-            </a:r>
+              <a:t>Thursday 14:30 - 16:30</a:t>
+            </a:r>
+          </a:p>
+          <a:p>
+            <a:pPr lvl="2"/>
             <a:r>
               <a:rPr lang="en-US" sz="2800" dirty="0"/>
-              <a:t> Edition </a:t>
-            </a:r>
-            <a:endParaRPr lang="en-US" sz="2800" i="1" dirty="0"/>
-          </a:p>
-          <a:p>
-            <a:pPr lvl="1"/>
-            <a:r>
-              <a:rPr lang="en-US" sz="2400" dirty="0"/>
-              <a:t>See course website for instructions </a:t>
-            </a:r>
-          </a:p>
-          <a:p>
-            <a:r>
-              <a:rPr lang="en-US" sz="2800" dirty="0"/>
-              <a:t>Assignments:</a:t>
-            </a:r>
-          </a:p>
-          <a:p>
-            <a:pPr lvl="1"/>
-            <a:r>
-              <a:rPr lang="en-US" sz="2400" b="0" i="0" dirty="0">
-                <a:effectLst/>
-              </a:rPr>
-              <a:t>Turn in on </a:t>
-            </a:r>
-            <a:r>
-              <a:rPr lang="en-US" sz="2400" b="0" i="0" dirty="0" err="1">
-                <a:effectLst/>
-              </a:rPr>
-              <a:t>Gradescope</a:t>
-            </a:r>
-            <a:r>
-              <a:rPr lang="en-US" sz="2400" b="0" i="0" dirty="0">
-                <a:effectLst/>
-              </a:rPr>
-              <a:t> (</a:t>
-            </a:r>
-            <a:r>
-              <a:rPr lang="en-US" sz="2400" b="0" i="0" dirty="0">
-                <a:effectLst/>
-                <a:hlinkClick r:id="rId2"/>
-              </a:rPr>
-              <a:t>https://help.gradescope.com/article/ccbpppziu9-student-submit-work</a:t>
-            </a:r>
-            <a:r>
-              <a:rPr lang="en-US" sz="2400" b="0" i="0" dirty="0">
-                <a:effectLst/>
-              </a:rPr>
-              <a:t>) </a:t>
-            </a:r>
-          </a:p>
-          <a:p>
-            <a:r>
-              <a:rPr lang="en-US" sz="2800" dirty="0"/>
-              <a:t>Due Dates: As listed on course schedule.</a:t>
-            </a:r>
-            <a:r>
-              <a:rPr lang="en-US" sz="2400" dirty="0"/>
-              <a:t> </a:t>
-            </a:r>
-          </a:p>
-          <a:p>
-            <a:pPr lvl="1"/>
-            <a:r>
-              <a:rPr lang="en-US" sz="2400" dirty="0"/>
-              <a:t>24hr grace period; no late submissions</a:t>
-            </a:r>
-          </a:p>
-          <a:p>
-            <a:pPr lvl="1"/>
-            <a:r>
-              <a:rPr lang="en-US" sz="2400" dirty="0"/>
-              <a:t>Lowest homework dropped </a:t>
-            </a:r>
-          </a:p>
-          <a:p>
-            <a:pPr lvl="1"/>
-            <a:r>
-              <a:rPr lang="en-US" sz="2400" dirty="0"/>
-              <a:t>See syllabus for revise and resubmit policy </a:t>
+              <a:t>By Appointment </a:t>
             </a:r>
           </a:p>
         </p:txBody>
@@ -6418,7 +6321,7 @@
     </p:spTree>
     <p:extLst>
       <p:ext uri="{BB962C8B-B14F-4D97-AF65-F5344CB8AC3E}">
-        <p14:creationId xmlns:p14="http://schemas.microsoft.com/office/powerpoint/2010/main" val="3413582662"/>
+        <p14:creationId xmlns:p14="http://schemas.microsoft.com/office/powerpoint/2010/main" val="763381702"/>
       </p:ext>
     </p:extLst>
   </p:cSld>
@@ -6489,101 +6392,114 @@
             <p:ph idx="1"/>
           </p:nvPr>
         </p:nvSpPr>
-        <p:spPr>
-          <a:xfrm>
-            <a:off x="3810001" y="692726"/>
-            <a:ext cx="7647708" cy="5805055"/>
-          </a:xfrm>
-        </p:spPr>
+        <p:spPr/>
         <p:txBody>
           <a:bodyPr anchor="t">
             <a:normAutofit/>
           </a:bodyPr>
           <a:lstStyle/>
           <a:p>
-            <a:pPr marL="0" indent="0">
-              <a:buNone/>
-            </a:pPr>
+            <a:endParaRPr lang="en-US" sz="1800" dirty="0"/>
+          </a:p>
+          <a:p>
             <a:r>
               <a:rPr lang="en-US" sz="2800" dirty="0"/>
-              <a:t>Assignments </a:t>
-            </a:r>
+              <a:t>Textbook: </a:t>
+            </a:r>
+            <a:r>
+              <a:rPr lang="en-US" sz="2800" i="1" dirty="0"/>
+              <a:t>Discrete Mathematics: An Open Introduction</a:t>
+            </a:r>
+            <a:r>
+              <a:rPr lang="en-US" sz="2800" dirty="0"/>
+              <a:t>, 3</a:t>
+            </a:r>
+            <a:r>
+              <a:rPr lang="en-US" sz="2800" baseline="30000" dirty="0"/>
+              <a:t>rd</a:t>
+            </a:r>
+            <a:r>
+              <a:rPr lang="en-US" sz="2800" dirty="0"/>
+              <a:t> Edition </a:t>
+            </a:r>
+            <a:endParaRPr lang="en-US" sz="2800" i="1" dirty="0"/>
           </a:p>
           <a:p>
             <a:pPr lvl="1"/>
             <a:r>
+              <a:rPr lang="en-US" sz="2400" dirty="0"/>
+              <a:t>See course website for instructions </a:t>
+            </a:r>
+          </a:p>
+          <a:p>
+            <a:r>
               <a:rPr lang="en-US" sz="2800" dirty="0"/>
-              <a:t>Homework </a:t>
-            </a:r>
-          </a:p>
-          <a:p>
-            <a:pPr lvl="2"/>
+              <a:t>Assignments:</a:t>
+            </a:r>
+          </a:p>
+          <a:p>
+            <a:pPr lvl="1"/>
+            <a:r>
+              <a:rPr lang="en-US" sz="2400" b="0" i="0" dirty="0">
+                <a:effectLst/>
+              </a:rPr>
+              <a:t>Turn in on </a:t>
+            </a:r>
+            <a:r>
+              <a:rPr lang="en-US" sz="2400" b="0" i="0" dirty="0" err="1">
+                <a:effectLst/>
+              </a:rPr>
+              <a:t>Gradescope</a:t>
+            </a:r>
+            <a:r>
+              <a:rPr lang="en-US" sz="2400" b="0" i="0" dirty="0">
+                <a:effectLst/>
+              </a:rPr>
+              <a:t> – Demo!  (</a:t>
+            </a:r>
+            <a:r>
+              <a:rPr lang="en-US" sz="2400" b="0" i="0" dirty="0">
+                <a:effectLst/>
+                <a:hlinkClick r:id="rId2"/>
+              </a:rPr>
+              <a:t>https://help.gradescope.com/article/ccbpppziu9-student-submit-work</a:t>
+            </a:r>
+            <a:r>
+              <a:rPr lang="en-US" sz="2400" b="0" i="0" dirty="0">
+                <a:effectLst/>
+              </a:rPr>
+              <a:t>) </a:t>
+            </a:r>
+          </a:p>
+          <a:p>
+            <a:r>
+              <a:rPr lang="en-US" sz="2800" dirty="0"/>
+              <a:t>Due Dates: As listed on course schedule.</a:t>
+            </a:r>
             <a:r>
               <a:rPr lang="en-US" sz="2400" dirty="0"/>
-              <a:t>Pair assignments</a:t>
-            </a:r>
-          </a:p>
-          <a:p>
-            <a:pPr lvl="2"/>
+              <a:t> </a:t>
+            </a:r>
+          </a:p>
+          <a:p>
+            <a:pPr lvl="1"/>
             <a:r>
               <a:rPr lang="en-US" sz="2400" dirty="0"/>
-              <a:t>Graded on effort and correctness </a:t>
+              <a:t>24hr grace period; no late submissions</a:t>
             </a:r>
           </a:p>
           <a:p>
             <a:pPr lvl="1"/>
             <a:r>
-              <a:rPr lang="en-US" sz="2800" dirty="0"/>
-              <a:t>Quizzes</a:t>
-            </a:r>
-          </a:p>
-          <a:p>
-            <a:pPr lvl="2"/>
-            <a:r>
               <a:rPr lang="en-US" sz="2400" dirty="0"/>
-              <a:t>Individual assignments </a:t>
-            </a:r>
-          </a:p>
-          <a:p>
-            <a:pPr lvl="2"/>
-            <a:r>
-              <a:rPr lang="en-US" sz="2400" dirty="0"/>
-              <a:t>Can re-take as many times as wanted before deadline </a:t>
+              <a:t>Lowest homework dropped </a:t>
             </a:r>
           </a:p>
           <a:p>
             <a:pPr lvl="1"/>
             <a:r>
-              <a:rPr lang="en-US" sz="2800" dirty="0"/>
-              <a:t>In-class Activities</a:t>
-            </a:r>
-          </a:p>
-          <a:p>
-            <a:pPr lvl="2"/>
-            <a:r>
-              <a:rPr lang="en-US" sz="2400" dirty="0"/>
-              <a:t>Graded on effort </a:t>
-            </a:r>
-          </a:p>
-          <a:p>
-            <a:pPr lvl="1"/>
-            <a:r>
-              <a:rPr lang="en-US" sz="2800" dirty="0"/>
-              <a:t>Final Project </a:t>
-            </a:r>
-          </a:p>
-          <a:p>
-            <a:pPr lvl="2"/>
-            <a:r>
-              <a:rPr lang="en-US" sz="2400" dirty="0"/>
-              <a:t>Small group </a:t>
-            </a:r>
-          </a:p>
-          <a:p>
-            <a:pPr lvl="2"/>
-            <a:r>
-              <a:rPr lang="en-US" sz="2400" dirty="0"/>
-              <a:t>Graded on creativity and correctness </a:t>
+              <a:rPr lang="en-US" sz="2400" b="1" dirty="0"/>
+              <a:t>See syllabus for revise and resubmit policy </a:t>
             </a:r>
           </a:p>
         </p:txBody>
@@ -6591,7 +6507,7 @@
     </p:spTree>
     <p:extLst>
       <p:ext uri="{BB962C8B-B14F-4D97-AF65-F5344CB8AC3E}">
-        <p14:creationId xmlns:p14="http://schemas.microsoft.com/office/powerpoint/2010/main" val="3645714422"/>
+        <p14:creationId xmlns:p14="http://schemas.microsoft.com/office/powerpoint/2010/main" val="3413582662"/>
       </p:ext>
     </p:extLst>
   </p:cSld>
@@ -6662,28 +6578,101 @@
             <p:ph idx="1"/>
           </p:nvPr>
         </p:nvSpPr>
-        <p:spPr/>
+        <p:spPr>
+          <a:xfrm>
+            <a:off x="3810001" y="692726"/>
+            <a:ext cx="7647708" cy="5805055"/>
+          </a:xfrm>
+        </p:spPr>
         <p:txBody>
           <a:bodyPr anchor="t">
             <a:normAutofit/>
           </a:bodyPr>
           <a:lstStyle/>
           <a:p>
-            <a:endParaRPr lang="en-US" sz="2400" dirty="0"/>
-          </a:p>
-          <a:p>
-            <a:r>
-              <a:rPr lang="en-US" sz="3600" dirty="0"/>
-              <a:t>I’m here to help you succeed</a:t>
-            </a:r>
-          </a:p>
-          <a:p>
-            <a:endParaRPr lang="en-US" sz="3600" dirty="0"/>
-          </a:p>
-          <a:p>
-            <a:r>
-              <a:rPr lang="en-US" sz="3600" dirty="0"/>
-              <a:t>Please come to office hours or reach out if you need any additional support  </a:t>
+            <a:pPr marL="0" indent="0">
+              <a:buNone/>
+            </a:pPr>
+            <a:r>
+              <a:rPr lang="en-US" sz="2800" dirty="0"/>
+              <a:t>Assignments </a:t>
+            </a:r>
+          </a:p>
+          <a:p>
+            <a:pPr lvl="1"/>
+            <a:r>
+              <a:rPr lang="en-US" sz="2800" dirty="0"/>
+              <a:t>Homework </a:t>
+            </a:r>
+          </a:p>
+          <a:p>
+            <a:pPr lvl="2"/>
+            <a:r>
+              <a:rPr lang="en-US" sz="2400" dirty="0"/>
+              <a:t>Pair assignments</a:t>
+            </a:r>
+          </a:p>
+          <a:p>
+            <a:pPr lvl="2"/>
+            <a:r>
+              <a:rPr lang="en-US" sz="2400" dirty="0"/>
+              <a:t>Graded on effort and correctness </a:t>
+            </a:r>
+          </a:p>
+          <a:p>
+            <a:pPr lvl="1"/>
+            <a:r>
+              <a:rPr lang="en-US" sz="2800" dirty="0"/>
+              <a:t>Quizzes</a:t>
+            </a:r>
+          </a:p>
+          <a:p>
+            <a:pPr lvl="2"/>
+            <a:r>
+              <a:rPr lang="en-US" sz="2400" dirty="0"/>
+              <a:t>Individual assignments </a:t>
+            </a:r>
+          </a:p>
+          <a:p>
+            <a:pPr lvl="2"/>
+            <a:r>
+              <a:rPr lang="en-US" sz="2400" dirty="0"/>
+              <a:t>Can re-take as many times as wanted before deadline </a:t>
+            </a:r>
+          </a:p>
+          <a:p>
+            <a:pPr lvl="1"/>
+            <a:r>
+              <a:rPr lang="en-US" sz="2800" dirty="0"/>
+              <a:t>In-class Activities</a:t>
+            </a:r>
+          </a:p>
+          <a:p>
+            <a:pPr lvl="2"/>
+            <a:r>
+              <a:rPr lang="en-US" sz="2400" dirty="0"/>
+              <a:t>Graded on effort </a:t>
+            </a:r>
+          </a:p>
+          <a:p>
+            <a:pPr lvl="1"/>
+            <a:r>
+              <a:rPr lang="en-US" sz="2800" dirty="0"/>
+              <a:t>Final Project </a:t>
+            </a:r>
+          </a:p>
+          <a:p>
+            <a:pPr lvl="2"/>
+            <a:r>
+              <a:rPr lang="en-US" sz="2400" dirty="0"/>
+              <a:t>Small group </a:t>
+            </a:r>
+          </a:p>
+          <a:p>
+            <a:pPr lvl="2"/>
+            <a:r>
+              <a:rPr lang="en-US" sz="2400" dirty="0"/>
+              <a:t>Graded on creativity and correctness </a:t>
             </a:r>
           </a:p>
         </p:txBody>
@@ -6691,7 +6680,7 @@
     </p:spTree>
     <p:extLst>
       <p:ext uri="{BB962C8B-B14F-4D97-AF65-F5344CB8AC3E}">
-        <p14:creationId xmlns:p14="http://schemas.microsoft.com/office/powerpoint/2010/main" val="1025868240"/>
+        <p14:creationId xmlns:p14="http://schemas.microsoft.com/office/powerpoint/2010/main" val="3645714422"/>
       </p:ext>
     </p:extLst>
   </p:cSld>
@@ -6723,6 +6712,106 @@
           <p:cNvPr id="2" name="Title 1">
             <a:extLst>
               <a:ext uri="{FF2B5EF4-FFF2-40B4-BE49-F238E27FC236}">
+                <a16:creationId xmlns:a16="http://schemas.microsoft.com/office/drawing/2014/main" id="{3FDFA59A-C0BF-FAF2-BCD0-AABD2AD46B7D}"/>
+              </a:ext>
+            </a:extLst>
+          </p:cNvPr>
+          <p:cNvSpPr>
+            <a:spLocks noGrp="1"/>
+          </p:cNvSpPr>
+          <p:nvPr>
+            <p:ph type="title"/>
+          </p:nvPr>
+        </p:nvSpPr>
+        <p:spPr/>
+        <p:txBody>
+          <a:bodyPr/>
+          <a:lstStyle/>
+          <a:p>
+            <a:r>
+              <a:rPr lang="en-US" b="1" dirty="0"/>
+              <a:t>**Important Info** </a:t>
+            </a:r>
+          </a:p>
+        </p:txBody>
+      </p:sp>
+      <p:sp>
+        <p:nvSpPr>
+          <p:cNvPr id="3" name="Content Placeholder 2">
+            <a:extLst>
+              <a:ext uri="{FF2B5EF4-FFF2-40B4-BE49-F238E27FC236}">
+                <a16:creationId xmlns:a16="http://schemas.microsoft.com/office/drawing/2014/main" id="{3A1E2A38-7A0E-C863-2691-71DAB5BA072C}"/>
+              </a:ext>
+            </a:extLst>
+          </p:cNvPr>
+          <p:cNvSpPr>
+            <a:spLocks noGrp="1"/>
+          </p:cNvSpPr>
+          <p:nvPr>
+            <p:ph idx="1"/>
+          </p:nvPr>
+        </p:nvSpPr>
+        <p:spPr/>
+        <p:txBody>
+          <a:bodyPr anchor="t">
+            <a:normAutofit/>
+          </a:bodyPr>
+          <a:lstStyle/>
+          <a:p>
+            <a:endParaRPr lang="en-US" sz="2400" dirty="0"/>
+          </a:p>
+          <a:p>
+            <a:r>
+              <a:rPr lang="en-US" sz="3600" dirty="0"/>
+              <a:t>I’m here to help you succeed</a:t>
+            </a:r>
+          </a:p>
+          <a:p>
+            <a:endParaRPr lang="en-US" sz="3600" dirty="0"/>
+          </a:p>
+          <a:p>
+            <a:r>
+              <a:rPr lang="en-US" sz="3600" dirty="0"/>
+              <a:t>Please come to office hours or reach out if you need any additional support  </a:t>
+            </a:r>
+          </a:p>
+        </p:txBody>
+      </p:sp>
+    </p:spTree>
+    <p:extLst>
+      <p:ext uri="{BB962C8B-B14F-4D97-AF65-F5344CB8AC3E}">
+        <p14:creationId xmlns:p14="http://schemas.microsoft.com/office/powerpoint/2010/main" val="1025868240"/>
+      </p:ext>
+    </p:extLst>
+  </p:cSld>
+  <p:clrMapOvr>
+    <a:masterClrMapping/>
+  </p:clrMapOvr>
+</p:sld>
+</file>
+
+<file path=ppt/slides/slide16.xml><?xml version="1.0" encoding="utf-8"?>
+<p:sld xmlns:a="http://schemas.openxmlformats.org/drawingml/2006/main" xmlns:r="http://schemas.openxmlformats.org/officeDocument/2006/relationships" xmlns:p="http://schemas.openxmlformats.org/presentationml/2006/main">
+  <p:cSld>
+    <p:spTree>
+      <p:nvGrpSpPr>
+        <p:cNvPr id="1" name=""/>
+        <p:cNvGrpSpPr/>
+        <p:nvPr/>
+      </p:nvGrpSpPr>
+      <p:grpSpPr>
+        <a:xfrm>
+          <a:off x="0" y="0"/>
+          <a:ext cx="0" cy="0"/>
+          <a:chOff x="0" y="0"/>
+          <a:chExt cx="0" cy="0"/>
+        </a:xfrm>
+      </p:grpSpPr>
+      <p:sp>
+        <p:nvSpPr>
+          <p:cNvPr id="2" name="Title 1">
+            <a:extLst>
+              <a:ext uri="{FF2B5EF4-FFF2-40B4-BE49-F238E27FC236}">
                 <a16:creationId xmlns:a16="http://schemas.microsoft.com/office/drawing/2014/main" id="{FF2F00A5-2664-11AE-22FA-8E9A78E8A3A7}"/>
               </a:ext>
             </a:extLst>
@@ -6784,7 +6873,7 @@
 </p:sld>
 </file>
 
-<file path=ppt/slides/slide16.xml><?xml version="1.0" encoding="utf-8"?>
+<file path=ppt/slides/slide17.xml><?xml version="1.0" encoding="utf-8"?>
 <p:sld xmlns:a="http://schemas.openxmlformats.org/drawingml/2006/main" xmlns:r="http://schemas.openxmlformats.org/officeDocument/2006/relationships" xmlns:p="http://schemas.openxmlformats.org/presentationml/2006/main">
   <p:cSld>
     <p:spTree>
@@ -6909,130 +6998,6 @@
 </p:sld>
 </file>
 
-<file path=ppt/slides/slide17.xml><?xml version="1.0" encoding="utf-8"?>
-<p:sld xmlns:a="http://schemas.openxmlformats.org/drawingml/2006/main" xmlns:r="http://schemas.openxmlformats.org/officeDocument/2006/relationships" xmlns:p="http://schemas.openxmlformats.org/presentationml/2006/main">
-  <p:cSld>
-    <p:spTree>
-      <p:nvGrpSpPr>
-        <p:cNvPr id="1" name=""/>
-        <p:cNvGrpSpPr/>
-        <p:nvPr/>
-      </p:nvGrpSpPr>
-      <p:grpSpPr>
-        <a:xfrm>
-          <a:off x="0" y="0"/>
-          <a:ext cx="0" cy="0"/>
-          <a:chOff x="0" y="0"/>
-          <a:chExt cx="0" cy="0"/>
-        </a:xfrm>
-      </p:grpSpPr>
-      <p:sp>
-        <p:nvSpPr>
-          <p:cNvPr id="2" name="Title 1"/>
-          <p:cNvSpPr>
-            <a:spLocks noGrp="1"/>
-          </p:cNvSpPr>
-          <p:nvPr>
-            <p:ph type="title"/>
-          </p:nvPr>
-        </p:nvSpPr>
-        <p:spPr/>
-        <p:txBody>
-          <a:bodyPr/>
-          <a:lstStyle/>
-          <a:p>
-            <a:r>
-              <a:rPr lang="en-US" dirty="0"/>
-              <a:t>What is Discrete Math?</a:t>
-            </a:r>
-          </a:p>
-        </p:txBody>
-      </p:sp>
-      <p:sp>
-        <p:nvSpPr>
-          <p:cNvPr id="6" name="Content Placeholder 2">
-            <a:extLst>
-              <a:ext uri="{FF2B5EF4-FFF2-40B4-BE49-F238E27FC236}">
-                <a16:creationId xmlns:a16="http://schemas.microsoft.com/office/drawing/2014/main" id="{5DFEF51D-F265-61A0-FAE6-BBE496D688A3}"/>
-              </a:ext>
-            </a:extLst>
-          </p:cNvPr>
-          <p:cNvSpPr>
-            <a:spLocks noGrp="1"/>
-          </p:cNvSpPr>
-          <p:nvPr>
-            <p:ph idx="1"/>
-          </p:nvPr>
-        </p:nvSpPr>
-        <p:spPr>
-          <a:xfrm>
-            <a:off x="3869268" y="864108"/>
-            <a:ext cx="7315200" cy="5120640"/>
-          </a:xfrm>
-        </p:spPr>
-        <p:txBody>
-          <a:bodyPr anchor="t">
-            <a:normAutofit/>
-          </a:bodyPr>
-          <a:lstStyle/>
-          <a:p>
-            <a:endParaRPr lang="en-US" sz="3200" dirty="0"/>
-          </a:p>
-          <a:p>
-            <a:endParaRPr lang="en-US" sz="3200" dirty="0"/>
-          </a:p>
-          <a:p>
-            <a:pPr marL="0" indent="0">
-              <a:buNone/>
-            </a:pPr>
-            <a:r>
-              <a:rPr lang="en-US" sz="3200" dirty="0"/>
-              <a:t>In this class we’ll cove four main topics:</a:t>
-            </a:r>
-          </a:p>
-          <a:p>
-            <a:pPr lvl="1"/>
-            <a:r>
-              <a:rPr lang="en-US" sz="2800" dirty="0"/>
-              <a:t>Logic </a:t>
-            </a:r>
-          </a:p>
-          <a:p>
-            <a:pPr lvl="1"/>
-            <a:r>
-              <a:rPr lang="en-US" sz="2800" dirty="0"/>
-              <a:t>Combinatorics (counting)</a:t>
-            </a:r>
-          </a:p>
-          <a:p>
-            <a:pPr lvl="1"/>
-            <a:r>
-              <a:rPr lang="en-US" sz="2800" dirty="0"/>
-              <a:t>Sequences</a:t>
-            </a:r>
-          </a:p>
-          <a:p>
-            <a:pPr lvl="1"/>
-            <a:r>
-              <a:rPr lang="en-US" sz="2800" dirty="0"/>
-              <a:t>Graphs </a:t>
-            </a:r>
-          </a:p>
-        </p:txBody>
-      </p:sp>
-    </p:spTree>
-    <p:extLst>
-      <p:ext uri="{BB962C8B-B14F-4D97-AF65-F5344CB8AC3E}">
-        <p14:creationId xmlns:p14="http://schemas.microsoft.com/office/powerpoint/2010/main" val="889389912"/>
-      </p:ext>
-    </p:extLst>
-  </p:cSld>
-  <p:clrMapOvr>
-    <a:masterClrMapping/>
-  </p:clrMapOvr>
-</p:sld>
-</file>
-
 <file path=ppt/slides/slide18.xml><?xml version="1.0" encoding="utf-8"?>
 <p:sld xmlns:a="http://schemas.openxmlformats.org/drawingml/2006/main" xmlns:r="http://schemas.openxmlformats.org/officeDocument/2006/relationships" xmlns:p="http://schemas.openxmlformats.org/presentationml/2006/main">
   <p:cSld>
@@ -7067,7 +7032,7 @@
           <a:p>
             <a:r>
               <a:rPr lang="en-US" dirty="0"/>
-              <a:t>Warm Up</a:t>
+              <a:t>What is Discrete Math?</a:t>
             </a:r>
           </a:p>
         </p:txBody>
@@ -7090,8 +7055,8 @@
         </p:nvSpPr>
         <p:spPr>
           <a:xfrm>
-            <a:off x="3588327" y="864108"/>
-            <a:ext cx="7827818" cy="5536692"/>
+            <a:off x="3869268" y="864108"/>
+            <a:ext cx="7315200" cy="5120640"/>
           </a:xfrm>
         </p:spPr>
         <p:txBody>
@@ -7100,126 +7065,46 @@
           </a:bodyPr>
           <a:lstStyle/>
           <a:p>
-            <a:pPr marL="0" indent="0" algn="l">
-              <a:buNone/>
-            </a:pPr>
-            <a:r>
-              <a:rPr lang="en-US" sz="2400" b="0" i="0" dirty="0">
-                <a:solidFill>
-                  <a:srgbClr val="000000"/>
-                </a:solidFill>
-                <a:effectLst/>
-                <a:latin typeface="Open Sans" panose="020B0606030504020204" pitchFamily="34" charset="0"/>
-              </a:rPr>
-              <a:t>While walking through a fictional forest, you encounter three trolls guarding a bridge. Each is either a </a:t>
-            </a:r>
-            <a:r>
-              <a:rPr lang="en-US" sz="2400" b="0" i="1" dirty="0">
-                <a:solidFill>
-                  <a:srgbClr val="000000"/>
-                </a:solidFill>
-                <a:effectLst/>
-                <a:latin typeface="Open Sans" panose="020B0606030504020204" pitchFamily="34" charset="0"/>
-              </a:rPr>
-              <a:t>knight</a:t>
-            </a:r>
-            <a:r>
-              <a:rPr lang="en-US" sz="2400" b="0" i="0" dirty="0">
-                <a:solidFill>
-                  <a:srgbClr val="000000"/>
-                </a:solidFill>
-                <a:effectLst/>
-                <a:latin typeface="Open Sans" panose="020B0606030504020204" pitchFamily="34" charset="0"/>
-              </a:rPr>
-              <a:t>, who always tells the truth, or a </a:t>
-            </a:r>
-            <a:r>
-              <a:rPr lang="en-US" sz="2400" b="0" i="1" dirty="0">
-                <a:solidFill>
-                  <a:srgbClr val="000000"/>
-                </a:solidFill>
-                <a:effectLst/>
-                <a:latin typeface="Open Sans" panose="020B0606030504020204" pitchFamily="34" charset="0"/>
-              </a:rPr>
-              <a:t>knave</a:t>
-            </a:r>
-            <a:r>
-              <a:rPr lang="en-US" sz="2400" b="0" i="0" dirty="0">
-                <a:solidFill>
-                  <a:srgbClr val="000000"/>
-                </a:solidFill>
-                <a:effectLst/>
-                <a:latin typeface="Open Sans" panose="020B0606030504020204" pitchFamily="34" charset="0"/>
-              </a:rPr>
-              <a:t>, who always lies. The trolls will not let you pass until you correctly identify each as either a knight or a knave. Each troll makes a single statement:</a:t>
-            </a:r>
-          </a:p>
-          <a:p>
-            <a:pPr marL="0" indent="0" algn="l">
-              <a:buNone/>
-            </a:pPr>
-            <a:endParaRPr lang="en-US" sz="2400" dirty="0">
-              <a:effectLst/>
-            </a:endParaRPr>
+            <a:endParaRPr lang="en-US" sz="3200" dirty="0"/>
+          </a:p>
+          <a:p>
+            <a:endParaRPr lang="en-US" sz="3200" dirty="0"/>
           </a:p>
           <a:p>
             <a:pPr marL="0" indent="0">
               <a:buNone/>
             </a:pPr>
             <a:r>
-              <a:rPr lang="en-US" sz="2200" dirty="0">
-                <a:effectLst/>
-              </a:rPr>
-              <a:t>Troll 1: If I am a knave, then there are exactly two knights here.</a:t>
-            </a:r>
-          </a:p>
-          <a:p>
-            <a:pPr marL="0" indent="0">
-              <a:buNone/>
-            </a:pPr>
-            <a:r>
-              <a:rPr lang="en-US" sz="2200" dirty="0">
-                <a:effectLst/>
-              </a:rPr>
-              <a:t>Troll 2: Troll 1 is lying.</a:t>
-            </a:r>
-          </a:p>
-          <a:p>
-            <a:pPr marL="0" indent="0">
-              <a:buNone/>
-            </a:pPr>
-            <a:r>
-              <a:rPr lang="en-US" sz="2200" dirty="0">
-                <a:effectLst/>
-              </a:rPr>
-              <a:t>Troll 3: Either we are all knaves or at least one of us is a knight.</a:t>
-            </a:r>
-          </a:p>
-          <a:p>
-            <a:pPr marL="0" indent="0">
-              <a:buNone/>
-            </a:pPr>
-            <a:endParaRPr lang="en-US" sz="2200" b="0" i="0" dirty="0">
-              <a:solidFill>
-                <a:srgbClr val="000000"/>
-              </a:solidFill>
-              <a:effectLst/>
-              <a:latin typeface="Open Sans" panose="020B0606030504020204" pitchFamily="34" charset="0"/>
-            </a:endParaRPr>
-          </a:p>
-          <a:p>
-            <a:pPr marL="0" indent="0" algn="l">
-              <a:buNone/>
-            </a:pPr>
-            <a:r>
-              <a:rPr lang="en-US" sz="2400" b="0" i="0" dirty="0">
-                <a:solidFill>
-                  <a:srgbClr val="000000"/>
-                </a:solidFill>
-                <a:effectLst/>
-                <a:latin typeface="Open Sans" panose="020B0606030504020204" pitchFamily="34" charset="0"/>
-              </a:rPr>
-              <a:t>Which troll is which?</a:t>
+              <a:rPr lang="en-US" sz="3200" dirty="0"/>
+              <a:t>In this class we’ll cove four main topics:</a:t>
+            </a:r>
+          </a:p>
+          <a:p>
+            <a:pPr lvl="1"/>
+            <a:r>
+              <a:rPr lang="en-US" sz="2800" dirty="0"/>
+              <a:t>Logic </a:t>
+            </a:r>
+          </a:p>
+          <a:p>
+            <a:pPr lvl="1"/>
+            <a:r>
+              <a:rPr lang="en-US" sz="2800" dirty="0"/>
+              <a:t>Combinatorics (counting)</a:t>
+            </a:r>
+          </a:p>
+          <a:p>
+            <a:pPr lvl="1"/>
+            <a:r>
+              <a:rPr lang="en-US" sz="2800" dirty="0"/>
+              <a:t>Sequences</a:t>
+            </a:r>
+          </a:p>
+          <a:p>
+            <a:pPr lvl="1"/>
+            <a:r>
+              <a:rPr lang="en-US" sz="2800" dirty="0"/>
+              <a:t>Graphs </a:t>
             </a:r>
           </a:p>
         </p:txBody>
@@ -7227,7 +7112,7 @@
     </p:spTree>
     <p:extLst>
       <p:ext uri="{BB962C8B-B14F-4D97-AF65-F5344CB8AC3E}">
-        <p14:creationId xmlns:p14="http://schemas.microsoft.com/office/powerpoint/2010/main" val="4012712487"/>
+        <p14:creationId xmlns:p14="http://schemas.microsoft.com/office/powerpoint/2010/main" val="889389912"/>
       </p:ext>
     </p:extLst>
   </p:cSld>
@@ -7271,7 +7156,7 @@
           <a:p>
             <a:r>
               <a:rPr lang="en-US" dirty="0"/>
-              <a:t>Vocab</a:t>
+              <a:t>Warm Up</a:t>
             </a:r>
           </a:p>
         </p:txBody>
@@ -7304,28 +7189,126 @@
           </a:bodyPr>
           <a:lstStyle/>
           <a:p>
+            <a:pPr marL="0" indent="0" algn="l">
+              <a:buNone/>
+            </a:pPr>
+            <a:r>
+              <a:rPr lang="en-US" sz="2400" b="0" i="0" dirty="0">
+                <a:solidFill>
+                  <a:srgbClr val="000000"/>
+                </a:solidFill>
+                <a:effectLst/>
+                <a:latin typeface="Open Sans" panose="020B0606030504020204" pitchFamily="34" charset="0"/>
+              </a:rPr>
+              <a:t>While walking through a fictional forest, you encounter three trolls guarding a bridge. Each is either a </a:t>
+            </a:r>
+            <a:r>
+              <a:rPr lang="en-US" sz="2400" b="0" i="1" dirty="0">
+                <a:solidFill>
+                  <a:srgbClr val="000000"/>
+                </a:solidFill>
+                <a:effectLst/>
+                <a:latin typeface="Open Sans" panose="020B0606030504020204" pitchFamily="34" charset="0"/>
+              </a:rPr>
+              <a:t>knight</a:t>
+            </a:r>
+            <a:r>
+              <a:rPr lang="en-US" sz="2400" b="0" i="0" dirty="0">
+                <a:solidFill>
+                  <a:srgbClr val="000000"/>
+                </a:solidFill>
+                <a:effectLst/>
+                <a:latin typeface="Open Sans" panose="020B0606030504020204" pitchFamily="34" charset="0"/>
+              </a:rPr>
+              <a:t>, who always tells the truth, or a </a:t>
+            </a:r>
+            <a:r>
+              <a:rPr lang="en-US" sz="2400" b="0" i="1" dirty="0">
+                <a:solidFill>
+                  <a:srgbClr val="000000"/>
+                </a:solidFill>
+                <a:effectLst/>
+                <a:latin typeface="Open Sans" panose="020B0606030504020204" pitchFamily="34" charset="0"/>
+              </a:rPr>
+              <a:t>knave</a:t>
+            </a:r>
+            <a:r>
+              <a:rPr lang="en-US" sz="2400" b="0" i="0" dirty="0">
+                <a:solidFill>
+                  <a:srgbClr val="000000"/>
+                </a:solidFill>
+                <a:effectLst/>
+                <a:latin typeface="Open Sans" panose="020B0606030504020204" pitchFamily="34" charset="0"/>
+              </a:rPr>
+              <a:t>, who always lies. The trolls will not let you pass until you correctly identify each as either a knight or a knave. Each troll makes a single statement:</a:t>
+            </a:r>
+          </a:p>
+          <a:p>
+            <a:pPr marL="0" indent="0" algn="l">
+              <a:buNone/>
+            </a:pPr>
+            <a:endParaRPr lang="en-US" sz="2400" dirty="0">
+              <a:effectLst/>
+            </a:endParaRPr>
+          </a:p>
+          <a:p>
             <a:pPr marL="0" indent="0">
               <a:buNone/>
             </a:pPr>
             <a:r>
-              <a:rPr lang="en-US" sz="2400" b="1" i="1" dirty="0">
+              <a:rPr lang="en-US" sz="2200" dirty="0">
+                <a:effectLst/>
+              </a:rPr>
+              <a:t>Troll 1: If I am a knave, then there are exactly two knights here.</a:t>
+            </a:r>
+          </a:p>
+          <a:p>
+            <a:pPr marL="0" indent="0">
+              <a:buNone/>
+            </a:pPr>
+            <a:r>
+              <a:rPr lang="en-US" sz="2200" dirty="0">
+                <a:effectLst/>
+              </a:rPr>
+              <a:t>Troll 2: Troll 1 is lying.</a:t>
+            </a:r>
+          </a:p>
+          <a:p>
+            <a:pPr marL="0" indent="0">
+              <a:buNone/>
+            </a:pPr>
+            <a:r>
+              <a:rPr lang="en-US" sz="2200" dirty="0">
+                <a:effectLst/>
+              </a:rPr>
+              <a:t>Troll 3: Either we are all knaves or at least one of us is a knight.</a:t>
+            </a:r>
+          </a:p>
+          <a:p>
+            <a:pPr marL="0" indent="0">
+              <a:buNone/>
+            </a:pPr>
+            <a:endParaRPr lang="en-US" sz="2200" b="0" i="0" dirty="0">
+              <a:solidFill>
+                <a:srgbClr val="000000"/>
+              </a:solidFill>
+              <a:effectLst/>
+              <a:latin typeface="Open Sans" panose="020B0606030504020204" pitchFamily="34" charset="0"/>
+            </a:endParaRPr>
+          </a:p>
+          <a:p>
+            <a:pPr marL="0" indent="0" algn="l">
+              <a:buNone/>
+            </a:pPr>
+            <a:r>
+              <a:rPr lang="en-US" sz="2400" b="0" i="0" dirty="0">
                 <a:solidFill>
                   <a:srgbClr val="000000"/>
                 </a:solidFill>
                 <a:effectLst/>
                 <a:latin typeface="Open Sans" panose="020B0606030504020204" pitchFamily="34" charset="0"/>
               </a:rPr>
-              <a:t>statement</a:t>
-            </a:r>
-            <a:r>
-              <a:rPr lang="en-US" sz="2400" b="0" i="0" dirty="0">
-                <a:solidFill>
-                  <a:srgbClr val="000000"/>
-                </a:solidFill>
-                <a:effectLst/>
-                <a:latin typeface="Open Sans" panose="020B0606030504020204" pitchFamily="34" charset="0"/>
-              </a:rPr>
-              <a:t>: any declarative sentence which is either true or false</a:t>
+              <a:t>Which troll is which?</a:t>
             </a:r>
           </a:p>
         </p:txBody>
@@ -7333,7 +7316,7 @@
     </p:spTree>
     <p:extLst>
       <p:ext uri="{BB962C8B-B14F-4D97-AF65-F5344CB8AC3E}">
-        <p14:creationId xmlns:p14="http://schemas.microsoft.com/office/powerpoint/2010/main" val="3448741835"/>
+        <p14:creationId xmlns:p14="http://schemas.microsoft.com/office/powerpoint/2010/main" val="4012712487"/>
       </p:ext>
     </p:extLst>
   </p:cSld>
@@ -7544,118 +7527,12 @@
               <a:t>: any declarative sentence which is either true or false</a:t>
             </a:r>
           </a:p>
-          <a:p>
-            <a:pPr marL="0" indent="0">
-              <a:buNone/>
-            </a:pPr>
-            <a:endParaRPr lang="en-US" sz="2400" dirty="0">
-              <a:solidFill>
-                <a:srgbClr val="000000"/>
-              </a:solidFill>
-              <a:latin typeface="Open Sans" panose="020B0606030504020204" pitchFamily="34" charset="0"/>
-            </a:endParaRPr>
-          </a:p>
-          <a:p>
-            <a:pPr marL="0" indent="0">
-              <a:buNone/>
-            </a:pPr>
-            <a:r>
-              <a:rPr lang="en-US" sz="2400" dirty="0">
-                <a:solidFill>
-                  <a:srgbClr val="000000"/>
-                </a:solidFill>
-                <a:latin typeface="Open Sans" panose="020B0606030504020204" pitchFamily="34" charset="0"/>
-              </a:rPr>
-              <a:t>Example Statements: </a:t>
-            </a:r>
-          </a:p>
-          <a:p>
-            <a:pPr marL="0" indent="0">
-              <a:buNone/>
-            </a:pPr>
-            <a:r>
-              <a:rPr lang="en-US" sz="2400" dirty="0">
-                <a:solidFill>
-                  <a:srgbClr val="000000"/>
-                </a:solidFill>
-                <a:latin typeface="Open Sans" panose="020B0606030504020204" pitchFamily="34" charset="0"/>
-              </a:rPr>
-              <a:t>	- Telephone numbers in the US have 10 digits.  </a:t>
-            </a:r>
-          </a:p>
-          <a:p>
-            <a:pPr marL="0" indent="0">
-              <a:buNone/>
-            </a:pPr>
-            <a:r>
-              <a:rPr lang="en-US" sz="2400" dirty="0">
-                <a:solidFill>
-                  <a:srgbClr val="000000"/>
-                </a:solidFill>
-                <a:latin typeface="Open Sans" panose="020B0606030504020204" pitchFamily="34" charset="0"/>
-              </a:rPr>
-              <a:t>	- The moon is made of cheese. </a:t>
-            </a:r>
-          </a:p>
-          <a:p>
-            <a:pPr marL="0" indent="0">
-              <a:buNone/>
-            </a:pPr>
-            <a:endParaRPr lang="en-US" sz="2400" dirty="0">
-              <a:solidFill>
-                <a:srgbClr val="000000"/>
-              </a:solidFill>
-              <a:latin typeface="Open Sans" panose="020B0606030504020204" pitchFamily="34" charset="0"/>
-            </a:endParaRPr>
-          </a:p>
-          <a:p>
-            <a:pPr marL="0" indent="0">
-              <a:buNone/>
-            </a:pPr>
-            <a:r>
-              <a:rPr lang="en-US" sz="2400" dirty="0">
-                <a:solidFill>
-                  <a:srgbClr val="000000"/>
-                </a:solidFill>
-                <a:latin typeface="Open Sans" panose="020B0606030504020204" pitchFamily="34" charset="0"/>
-              </a:rPr>
-              <a:t>Example non-Statements:</a:t>
-            </a:r>
-          </a:p>
-          <a:p>
-            <a:pPr marL="0" indent="0">
-              <a:buNone/>
-            </a:pPr>
-            <a:r>
-              <a:rPr lang="en-US" sz="2400" dirty="0">
-                <a:solidFill>
-                  <a:srgbClr val="000000"/>
-                </a:solidFill>
-                <a:latin typeface="Open Sans" panose="020B0606030504020204" pitchFamily="34" charset="0"/>
-              </a:rPr>
-              <a:t>	- Would you like some cake?</a:t>
-            </a:r>
-          </a:p>
-          <a:p>
-            <a:pPr marL="0" indent="0">
-              <a:buNone/>
-            </a:pPr>
-            <a:r>
-              <a:rPr lang="en-US" sz="2400" dirty="0">
-                <a:solidFill>
-                  <a:srgbClr val="000000"/>
-                </a:solidFill>
-                <a:latin typeface="Open Sans" panose="020B0606030504020204" pitchFamily="34" charset="0"/>
-              </a:rPr>
-              <a:t>	- The sum of two squares. </a:t>
-            </a:r>
-          </a:p>
         </p:txBody>
       </p:sp>
     </p:spTree>
     <p:extLst>
       <p:ext uri="{BB962C8B-B14F-4D97-AF65-F5344CB8AC3E}">
-        <p14:creationId xmlns:p14="http://schemas.microsoft.com/office/powerpoint/2010/main" val="768404331"/>
+        <p14:creationId xmlns:p14="http://schemas.microsoft.com/office/powerpoint/2010/main" val="3448741835"/>
       </p:ext>
     </p:extLst>
   </p:cSld>
@@ -7778,7 +7655,35 @@
                 </a:solidFill>
                 <a:latin typeface="Open Sans" panose="020B0606030504020204" pitchFamily="34" charset="0"/>
               </a:rPr>
-              <a:t>Which are statements and which are not?</a:t>
+              <a:t>Example Statements: </a:t>
+            </a:r>
+          </a:p>
+          <a:p>
+            <a:pPr marL="0" indent="0">
+              <a:buNone/>
+            </a:pPr>
+            <a:r>
+              <a:rPr lang="en-US" sz="2400" dirty="0">
+                <a:solidFill>
+                  <a:srgbClr val="000000"/>
+                </a:solidFill>
+                <a:latin typeface="Open Sans" panose="020B0606030504020204" pitchFamily="34" charset="0"/>
+              </a:rPr>
+              <a:t>	- Telephone numbers in the US have 10 digits.  </a:t>
+            </a:r>
+          </a:p>
+          <a:p>
+            <a:pPr marL="0" indent="0">
+              <a:buNone/>
+            </a:pPr>
+            <a:r>
+              <a:rPr lang="en-US" sz="2400" dirty="0">
+                <a:solidFill>
+                  <a:srgbClr val="000000"/>
+                </a:solidFill>
+                <a:latin typeface="Open Sans" panose="020B0606030504020204" pitchFamily="34" charset="0"/>
+              </a:rPr>
+              <a:t>	- The moon is made of cheese. </a:t>
             </a:r>
           </a:p>
           <a:p>
@@ -7803,7 +7708,7 @@
                 </a:solidFill>
                 <a:latin typeface="Open Sans" panose="020B0606030504020204" pitchFamily="34" charset="0"/>
               </a:rPr>
-              <a:t>	- 42 is a perfect square.</a:t>
+              <a:t>Example non-Statements:</a:t>
             </a:r>
           </a:p>
           <a:p>
@@ -7817,7 +7722,7 @@
                 </a:solidFill>
                 <a:latin typeface="Open Sans" panose="020B0606030504020204" pitchFamily="34" charset="0"/>
               </a:rPr>
-              <a:t>	- 1 + 3  + 5 + 7</a:t>
+              <a:t>	- Would you like some cake?</a:t>
             </a:r>
           </a:p>
           <a:p>
@@ -7831,35 +7736,7 @@
                 </a:solidFill>
                 <a:latin typeface="Open Sans" panose="020B0606030504020204" pitchFamily="34" charset="0"/>
               </a:rPr>
-              <a:t>	- Go to your room!</a:t>
-            </a:r>
-          </a:p>
-          <a:p>
-            <a:pPr marL="0" indent="0">
-              <a:buNone/>
-            </a:pPr>
-            <a:r>
-              <a:rPr lang="en-US" sz="2400" dirty="0">
-                <a:solidFill>
-                  <a:srgbClr val="000000"/>
-                </a:solidFill>
-                <a:latin typeface="Open Sans" panose="020B0606030504020204" pitchFamily="34" charset="0"/>
-              </a:rPr>
-              <a:t>	- 3 + 7 = 12</a:t>
-            </a:r>
-          </a:p>
-          <a:p>
-            <a:pPr marL="0" indent="0">
-              <a:buNone/>
-            </a:pPr>
-            <a:r>
-              <a:rPr lang="en-US" sz="2400" dirty="0">
-                <a:solidFill>
-                  <a:srgbClr val="000000"/>
-                </a:solidFill>
-                <a:latin typeface="Open Sans" panose="020B0606030504020204" pitchFamily="34" charset="0"/>
-              </a:rPr>
-              <a:t>	- 3 + x = 12 </a:t>
+              <a:t>	- The sum of two squares. </a:t>
             </a:r>
           </a:p>
         </p:txBody>
@@ -7867,7 +7744,7 @@
     </p:spTree>
     <p:extLst>
       <p:ext uri="{BB962C8B-B14F-4D97-AF65-F5344CB8AC3E}">
-        <p14:creationId xmlns:p14="http://schemas.microsoft.com/office/powerpoint/2010/main" val="2239477844"/>
+        <p14:creationId xmlns:p14="http://schemas.microsoft.com/office/powerpoint/2010/main" val="768404331"/>
       </p:ext>
     </p:extLst>
   </p:cSld>
@@ -7911,7 +7788,7 @@
           <a:p>
             <a:r>
               <a:rPr lang="en-US" dirty="0"/>
-              <a:t>Vocab: Types of Statements </a:t>
+              <a:t>Vocab</a:t>
             </a:r>
           </a:p>
         </p:txBody>
@@ -7972,86 +7849,106 @@
             <a:pPr marL="0" indent="0">
               <a:buNone/>
             </a:pPr>
-            <a:r>
-              <a:rPr lang="en-US" sz="2400" b="1" i="1" dirty="0">
-                <a:solidFill>
-                  <a:srgbClr val="000000"/>
-                </a:solidFill>
-                <a:latin typeface="Open Sans" panose="020B0606030504020204" pitchFamily="34" charset="0"/>
-              </a:rPr>
-              <a:t>atomic</a:t>
-            </a:r>
-            <a:r>
-              <a:rPr lang="en-US" sz="2400" dirty="0">
-                <a:solidFill>
-                  <a:srgbClr val="000000"/>
-                </a:solidFill>
-                <a:latin typeface="Open Sans" panose="020B0606030504020204" pitchFamily="34" charset="0"/>
-              </a:rPr>
-              <a:t>: a statement that </a:t>
-            </a:r>
-            <a:r>
-              <a:rPr lang="en-US" sz="2400" i="1" dirty="0">
-                <a:solidFill>
-                  <a:srgbClr val="000000"/>
-                </a:solidFill>
-                <a:latin typeface="Open Sans" panose="020B0606030504020204" pitchFamily="34" charset="0"/>
-              </a:rPr>
-              <a:t>cannot</a:t>
-            </a:r>
-            <a:r>
-              <a:rPr lang="en-US" sz="2400" dirty="0">
-                <a:solidFill>
-                  <a:srgbClr val="000000"/>
-                </a:solidFill>
-                <a:latin typeface="Open Sans" panose="020B0606030504020204" pitchFamily="34" charset="0"/>
-              </a:rPr>
-              <a:t> be divided into smaller statements</a:t>
-            </a:r>
+            <a:endParaRPr lang="en-US" sz="2400" dirty="0">
+              <a:solidFill>
+                <a:srgbClr val="000000"/>
+              </a:solidFill>
+              <a:latin typeface="Open Sans" panose="020B0606030504020204" pitchFamily="34" charset="0"/>
+            </a:endParaRPr>
           </a:p>
           <a:p>
             <a:pPr marL="0" indent="0">
               <a:buNone/>
             </a:pPr>
             <a:r>
-              <a:rPr lang="en-US" sz="2400" b="1" i="1" dirty="0">
+              <a:rPr lang="en-US" sz="2400" dirty="0">
                 <a:solidFill>
                   <a:srgbClr val="000000"/>
                 </a:solidFill>
-                <a:effectLst/>
                 <a:latin typeface="Open Sans" panose="020B0606030504020204" pitchFamily="34" charset="0"/>
               </a:rPr>
-              <a:t>molecular</a:t>
-            </a:r>
-            <a:r>
-              <a:rPr lang="en-US" sz="2400" b="0" i="0" dirty="0">
+              <a:t>Which are statements and which are not?</a:t>
+            </a:r>
+          </a:p>
+          <a:p>
+            <a:pPr marL="0" indent="0">
+              <a:buNone/>
+            </a:pPr>
+            <a:endParaRPr lang="en-US" sz="2400" dirty="0">
+              <a:solidFill>
+                <a:srgbClr val="000000"/>
+              </a:solidFill>
+              <a:latin typeface="Open Sans" panose="020B0606030504020204" pitchFamily="34" charset="0"/>
+            </a:endParaRPr>
+          </a:p>
+          <a:p>
+            <a:pPr marL="0" indent="0">
+              <a:buNone/>
+            </a:pPr>
+            <a:r>
+              <a:rPr lang="en-US" sz="2400" dirty="0">
                 <a:solidFill>
                   <a:srgbClr val="000000"/>
                 </a:solidFill>
-                <a:effectLst/>
                 <a:latin typeface="Open Sans" panose="020B0606030504020204" pitchFamily="34" charset="0"/>
               </a:rPr>
-              <a:t>: a statement that </a:t>
-            </a:r>
-            <a:r>
-              <a:rPr lang="en-US" sz="2400" b="0" i="1" dirty="0">
+              <a:t>	- 42 is a perfect square.</a:t>
+            </a:r>
+          </a:p>
+          <a:p>
+            <a:pPr marL="0" indent="0">
+              <a:buNone/>
+            </a:pPr>
+            <a:r>
+              <a:rPr lang="en-US" sz="2400" dirty="0">
                 <a:solidFill>
                   <a:srgbClr val="000000"/>
                 </a:solidFill>
-                <a:effectLst/>
                 <a:latin typeface="Open Sans" panose="020B0606030504020204" pitchFamily="34" charset="0"/>
               </a:rPr>
-              <a:t>can</a:t>
-            </a:r>
-            <a:r>
-              <a:rPr lang="en-US" sz="2400" b="0" i="0" dirty="0">
+              <a:t>	- 1 + 3  + 5 + 7</a:t>
+            </a:r>
+          </a:p>
+          <a:p>
+            <a:pPr marL="0" indent="0">
+              <a:buNone/>
+            </a:pPr>
+            <a:r>
+              <a:rPr lang="en-US" sz="2400" dirty="0">
                 <a:solidFill>
                   <a:srgbClr val="000000"/>
                 </a:solidFill>
-                <a:effectLst/>
                 <a:latin typeface="Open Sans" panose="020B0606030504020204" pitchFamily="34" charset="0"/>
               </a:rPr>
-              <a:t> be divided into smaller statements </a:t>
+              <a:t>	- Go to your room!</a:t>
+            </a:r>
+          </a:p>
+          <a:p>
+            <a:pPr marL="0" indent="0">
+              <a:buNone/>
+            </a:pPr>
+            <a:r>
+              <a:rPr lang="en-US" sz="2400" dirty="0">
+                <a:solidFill>
+                  <a:srgbClr val="000000"/>
+                </a:solidFill>
+                <a:latin typeface="Open Sans" panose="020B0606030504020204" pitchFamily="34" charset="0"/>
+              </a:rPr>
+              <a:t>	- 3 + 7 = 12</a:t>
+            </a:r>
+          </a:p>
+          <a:p>
+            <a:pPr marL="0" indent="0">
+              <a:buNone/>
+            </a:pPr>
+            <a:r>
+              <a:rPr lang="en-US" sz="2400" dirty="0">
+                <a:solidFill>
+                  <a:srgbClr val="000000"/>
+                </a:solidFill>
+                <a:latin typeface="Open Sans" panose="020B0606030504020204" pitchFamily="34" charset="0"/>
+              </a:rPr>
+              <a:t>	- 3 + x = 12 </a:t>
             </a:r>
           </a:p>
         </p:txBody>
@@ -8059,7 +7956,7 @@
     </p:spTree>
     <p:extLst>
       <p:ext uri="{BB962C8B-B14F-4D97-AF65-F5344CB8AC3E}">
-        <p14:creationId xmlns:p14="http://schemas.microsoft.com/office/powerpoint/2010/main" val="2994318487"/>
+        <p14:creationId xmlns:p14="http://schemas.microsoft.com/office/powerpoint/2010/main" val="2239477844"/>
       </p:ext>
     </p:extLst>
   </p:cSld>
@@ -8246,52 +8143,12 @@
               <a:t> be divided into smaller statements </a:t>
             </a:r>
           </a:p>
-          <a:p>
-            <a:pPr marL="0" indent="0">
-              <a:buNone/>
-            </a:pPr>
-            <a:endParaRPr lang="en-US" sz="2400" dirty="0">
-              <a:solidFill>
-                <a:srgbClr val="000000"/>
-              </a:solidFill>
-              <a:latin typeface="Open Sans" panose="020B0606030504020204" pitchFamily="34" charset="0"/>
-            </a:endParaRPr>
-          </a:p>
-          <a:p>
-            <a:pPr marL="0" indent="0">
-              <a:buNone/>
-            </a:pPr>
-            <a:r>
-              <a:rPr lang="en-US" sz="2400" b="0" i="0" dirty="0">
-                <a:solidFill>
-                  <a:srgbClr val="000000"/>
-                </a:solidFill>
-                <a:effectLst/>
-                <a:latin typeface="Open Sans" panose="020B0606030504020204" pitchFamily="34" charset="0"/>
-              </a:rPr>
-              <a:t>Example atomic statement:</a:t>
-            </a:r>
-          </a:p>
-          <a:p>
-            <a:pPr marL="0" indent="0">
-              <a:buNone/>
-            </a:pPr>
-            <a:r>
-              <a:rPr lang="en-US" sz="2400" dirty="0">
-                <a:solidFill>
-                  <a:srgbClr val="000000"/>
-                </a:solidFill>
-                <a:latin typeface="Open Sans" panose="020B0606030504020204" pitchFamily="34" charset="0"/>
-              </a:rPr>
-              <a:t>	- Telephone numbers in the US have 10 digits. </a:t>
-            </a:r>
-          </a:p>
         </p:txBody>
       </p:sp>
     </p:spTree>
     <p:extLst>
       <p:ext uri="{BB962C8B-B14F-4D97-AF65-F5344CB8AC3E}">
-        <p14:creationId xmlns:p14="http://schemas.microsoft.com/office/powerpoint/2010/main" val="2026155111"/>
+        <p14:creationId xmlns:p14="http://schemas.microsoft.com/office/powerpoint/2010/main" val="2994318487"/>
       </p:ext>
     </p:extLst>
   </p:cSld>
@@ -8518,6 +8375,238 @@
               <a:t>	- Telephone numbers in the US have 10 digits. </a:t>
             </a:r>
           </a:p>
+        </p:txBody>
+      </p:sp>
+    </p:spTree>
+    <p:extLst>
+      <p:ext uri="{BB962C8B-B14F-4D97-AF65-F5344CB8AC3E}">
+        <p14:creationId xmlns:p14="http://schemas.microsoft.com/office/powerpoint/2010/main" val="2026155111"/>
+      </p:ext>
+    </p:extLst>
+  </p:cSld>
+  <p:clrMapOvr>
+    <a:masterClrMapping/>
+  </p:clrMapOvr>
+</p:sld>
+</file>
+
+<file path=ppt/slides/slide25.xml><?xml version="1.0" encoding="utf-8"?>
+<p:sld xmlns:a="http://schemas.openxmlformats.org/drawingml/2006/main" xmlns:r="http://schemas.openxmlformats.org/officeDocument/2006/relationships" xmlns:p="http://schemas.openxmlformats.org/presentationml/2006/main">
+  <p:cSld>
+    <p:spTree>
+      <p:nvGrpSpPr>
+        <p:cNvPr id="1" name=""/>
+        <p:cNvGrpSpPr/>
+        <p:nvPr/>
+      </p:nvGrpSpPr>
+      <p:grpSpPr>
+        <a:xfrm>
+          <a:off x="0" y="0"/>
+          <a:ext cx="0" cy="0"/>
+          <a:chOff x="0" y="0"/>
+          <a:chExt cx="0" cy="0"/>
+        </a:xfrm>
+      </p:grpSpPr>
+      <p:sp>
+        <p:nvSpPr>
+          <p:cNvPr id="2" name="Title 1"/>
+          <p:cNvSpPr>
+            <a:spLocks noGrp="1"/>
+          </p:cNvSpPr>
+          <p:nvPr>
+            <p:ph type="title"/>
+          </p:nvPr>
+        </p:nvSpPr>
+        <p:spPr/>
+        <p:txBody>
+          <a:bodyPr/>
+          <a:lstStyle/>
+          <a:p>
+            <a:r>
+              <a:rPr lang="en-US" dirty="0"/>
+              <a:t>Vocab: Types of Statements </a:t>
+            </a:r>
+          </a:p>
+        </p:txBody>
+      </p:sp>
+      <p:sp>
+        <p:nvSpPr>
+          <p:cNvPr id="6" name="Content Placeholder 2">
+            <a:extLst>
+              <a:ext uri="{FF2B5EF4-FFF2-40B4-BE49-F238E27FC236}">
+                <a16:creationId xmlns:a16="http://schemas.microsoft.com/office/drawing/2014/main" id="{5DFEF51D-F265-61A0-FAE6-BBE496D688A3}"/>
+              </a:ext>
+            </a:extLst>
+          </p:cNvPr>
+          <p:cNvSpPr>
+            <a:spLocks noGrp="1"/>
+          </p:cNvSpPr>
+          <p:nvPr>
+            <p:ph idx="1"/>
+          </p:nvPr>
+        </p:nvSpPr>
+        <p:spPr>
+          <a:xfrm>
+            <a:off x="3588327" y="864108"/>
+            <a:ext cx="7827818" cy="5536692"/>
+          </a:xfrm>
+        </p:spPr>
+        <p:txBody>
+          <a:bodyPr anchor="t">
+            <a:normAutofit/>
+          </a:bodyPr>
+          <a:lstStyle/>
+          <a:p>
+            <a:pPr marL="0" indent="0">
+              <a:buNone/>
+            </a:pPr>
+            <a:r>
+              <a:rPr lang="en-US" sz="2400" b="1" i="1" dirty="0">
+                <a:solidFill>
+                  <a:srgbClr val="000000"/>
+                </a:solidFill>
+                <a:effectLst/>
+                <a:latin typeface="Open Sans" panose="020B0606030504020204" pitchFamily="34" charset="0"/>
+              </a:rPr>
+              <a:t>statement</a:t>
+            </a:r>
+            <a:r>
+              <a:rPr lang="en-US" sz="2400" b="0" i="0" dirty="0">
+                <a:solidFill>
+                  <a:srgbClr val="000000"/>
+                </a:solidFill>
+                <a:effectLst/>
+                <a:latin typeface="Open Sans" panose="020B0606030504020204" pitchFamily="34" charset="0"/>
+              </a:rPr>
+              <a:t>: any declarative sentence which is either true or false</a:t>
+            </a:r>
+          </a:p>
+          <a:p>
+            <a:pPr marL="0" indent="0">
+              <a:buNone/>
+            </a:pPr>
+            <a:r>
+              <a:rPr lang="en-US" sz="2400" b="1" i="1" dirty="0">
+                <a:solidFill>
+                  <a:srgbClr val="000000"/>
+                </a:solidFill>
+                <a:latin typeface="Open Sans" panose="020B0606030504020204" pitchFamily="34" charset="0"/>
+              </a:rPr>
+              <a:t>atomic</a:t>
+            </a:r>
+            <a:r>
+              <a:rPr lang="en-US" sz="2400" dirty="0">
+                <a:solidFill>
+                  <a:srgbClr val="000000"/>
+                </a:solidFill>
+                <a:latin typeface="Open Sans" panose="020B0606030504020204" pitchFamily="34" charset="0"/>
+              </a:rPr>
+              <a:t>: a statement that </a:t>
+            </a:r>
+            <a:r>
+              <a:rPr lang="en-US" sz="2400" i="1" dirty="0">
+                <a:solidFill>
+                  <a:srgbClr val="000000"/>
+                </a:solidFill>
+                <a:latin typeface="Open Sans" panose="020B0606030504020204" pitchFamily="34" charset="0"/>
+              </a:rPr>
+              <a:t>cannot</a:t>
+            </a:r>
+            <a:r>
+              <a:rPr lang="en-US" sz="2400" dirty="0">
+                <a:solidFill>
+                  <a:srgbClr val="000000"/>
+                </a:solidFill>
+                <a:latin typeface="Open Sans" panose="020B0606030504020204" pitchFamily="34" charset="0"/>
+              </a:rPr>
+              <a:t> be divided into smaller statements</a:t>
+            </a:r>
+          </a:p>
+          <a:p>
+            <a:pPr marL="0" indent="0">
+              <a:buNone/>
+            </a:pPr>
+            <a:r>
+              <a:rPr lang="en-US" sz="2400" b="1" i="1" dirty="0">
+                <a:solidFill>
+                  <a:srgbClr val="000000"/>
+                </a:solidFill>
+                <a:effectLst/>
+                <a:latin typeface="Open Sans" panose="020B0606030504020204" pitchFamily="34" charset="0"/>
+              </a:rPr>
+              <a:t>molecular</a:t>
+            </a:r>
+            <a:r>
+              <a:rPr lang="en-US" sz="2400" b="0" i="0" dirty="0">
+                <a:solidFill>
+                  <a:srgbClr val="000000"/>
+                </a:solidFill>
+                <a:effectLst/>
+                <a:latin typeface="Open Sans" panose="020B0606030504020204" pitchFamily="34" charset="0"/>
+              </a:rPr>
+              <a:t>: a statement that </a:t>
+            </a:r>
+            <a:r>
+              <a:rPr lang="en-US" sz="2400" b="0" i="1" dirty="0">
+                <a:solidFill>
+                  <a:srgbClr val="000000"/>
+                </a:solidFill>
+                <a:effectLst/>
+                <a:latin typeface="Open Sans" panose="020B0606030504020204" pitchFamily="34" charset="0"/>
+              </a:rPr>
+              <a:t>can</a:t>
+            </a:r>
+            <a:r>
+              <a:rPr lang="en-US" sz="2400" b="0" i="0" dirty="0">
+                <a:solidFill>
+                  <a:srgbClr val="000000"/>
+                </a:solidFill>
+                <a:effectLst/>
+                <a:latin typeface="Open Sans" panose="020B0606030504020204" pitchFamily="34" charset="0"/>
+              </a:rPr>
+              <a:t> be divided into smaller statements </a:t>
+            </a:r>
+          </a:p>
+          <a:p>
+            <a:pPr marL="0" indent="0">
+              <a:buNone/>
+            </a:pPr>
+            <a:endParaRPr lang="en-US" sz="2400" dirty="0">
+              <a:solidFill>
+                <a:srgbClr val="000000"/>
+              </a:solidFill>
+              <a:latin typeface="Open Sans" panose="020B0606030504020204" pitchFamily="34" charset="0"/>
+            </a:endParaRPr>
+          </a:p>
+          <a:p>
+            <a:pPr marL="0" indent="0">
+              <a:buNone/>
+            </a:pPr>
+            <a:r>
+              <a:rPr lang="en-US" sz="2400" b="0" i="0" dirty="0">
+                <a:solidFill>
+                  <a:srgbClr val="000000"/>
+                </a:solidFill>
+                <a:effectLst/>
+                <a:latin typeface="Open Sans" panose="020B0606030504020204" pitchFamily="34" charset="0"/>
+              </a:rPr>
+              <a:t>Example atomic statement:</a:t>
+            </a:r>
+          </a:p>
+          <a:p>
+            <a:pPr marL="0" indent="0">
+              <a:buNone/>
+            </a:pPr>
+            <a:r>
+              <a:rPr lang="en-US" sz="2400" dirty="0">
+                <a:solidFill>
+                  <a:srgbClr val="000000"/>
+                </a:solidFill>
+                <a:latin typeface="Open Sans" panose="020B0606030504020204" pitchFamily="34" charset="0"/>
+              </a:rPr>
+              <a:t>	- Telephone numbers in the US have 10 digits. </a:t>
+            </a:r>
+          </a:p>
           <a:p>
             <a:pPr marL="0" indent="0">
               <a:buNone/>
@@ -8569,7 +8658,7 @@
 </p:sld>
 </file>
 
-<file path=ppt/slides/slide25.xml><?xml version="1.0" encoding="utf-8"?>
+<file path=ppt/slides/slide26.xml><?xml version="1.0" encoding="utf-8"?>
 <p:sld xmlns:a="http://schemas.openxmlformats.org/drawingml/2006/main" xmlns:r="http://schemas.openxmlformats.org/officeDocument/2006/relationships" xmlns:p="http://schemas.openxmlformats.org/presentationml/2006/main">
   <p:cSld>
     <p:spTree>
@@ -9055,7 +9144,7 @@
 </p:sld>
 </file>
 
-<file path=ppt/slides/slide26.xml><?xml version="1.0" encoding="utf-8"?>
+<file path=ppt/slides/slide27.xml><?xml version="1.0" encoding="utf-8"?>
 <p:sld xmlns:a="http://schemas.openxmlformats.org/drawingml/2006/main" xmlns:r="http://schemas.openxmlformats.org/officeDocument/2006/relationships" xmlns:p="http://schemas.openxmlformats.org/presentationml/2006/main">
   <p:cSld>
     <p:spTree>
@@ -9650,144 +9739,6 @@
 </p:sld>
 </file>
 
-<file path=ppt/slides/slide27.xml><?xml version="1.0" encoding="utf-8"?>
-<p:sld xmlns:a="http://schemas.openxmlformats.org/drawingml/2006/main" xmlns:r="http://schemas.openxmlformats.org/officeDocument/2006/relationships" xmlns:p="http://schemas.openxmlformats.org/presentationml/2006/main">
-  <p:cSld>
-    <p:spTree>
-      <p:nvGrpSpPr>
-        <p:cNvPr id="1" name=""/>
-        <p:cNvGrpSpPr/>
-        <p:nvPr/>
-      </p:nvGrpSpPr>
-      <p:grpSpPr>
-        <a:xfrm>
-          <a:off x="0" y="0"/>
-          <a:ext cx="0" cy="0"/>
-          <a:chOff x="0" y="0"/>
-          <a:chExt cx="0" cy="0"/>
-        </a:xfrm>
-      </p:grpSpPr>
-      <p:sp>
-        <p:nvSpPr>
-          <p:cNvPr id="2" name="Title 1"/>
-          <p:cNvSpPr>
-            <a:spLocks noGrp="1"/>
-          </p:cNvSpPr>
-          <p:nvPr>
-            <p:ph type="title"/>
-          </p:nvPr>
-        </p:nvSpPr>
-        <p:spPr/>
-        <p:txBody>
-          <a:bodyPr/>
-          <a:lstStyle/>
-          <a:p>
-            <a:r>
-              <a:rPr lang="en-US" dirty="0"/>
-              <a:t>Vocab: Logical Connectives</a:t>
-            </a:r>
-          </a:p>
-        </p:txBody>
-      </p:sp>
-      <p:sp>
-        <p:nvSpPr>
-          <p:cNvPr id="6" name="Content Placeholder 2">
-            <a:extLst>
-              <a:ext uri="{FF2B5EF4-FFF2-40B4-BE49-F238E27FC236}">
-                <a16:creationId xmlns:a16="http://schemas.microsoft.com/office/drawing/2014/main" id="{5DFEF51D-F265-61A0-FAE6-BBE496D688A3}"/>
-              </a:ext>
-            </a:extLst>
-          </p:cNvPr>
-          <p:cNvSpPr>
-            <a:spLocks noGrp="1"/>
-          </p:cNvSpPr>
-          <p:nvPr>
-            <p:ph idx="1"/>
-          </p:nvPr>
-        </p:nvSpPr>
-        <p:spPr>
-          <a:xfrm>
-            <a:off x="3588327" y="864108"/>
-            <a:ext cx="7827818" cy="5536692"/>
-          </a:xfrm>
-        </p:spPr>
-        <p:txBody>
-          <a:bodyPr anchor="t">
-            <a:normAutofit/>
-          </a:bodyPr>
-          <a:lstStyle/>
-          <a:p>
-            <a:pPr marL="0" indent="0">
-              <a:buNone/>
-            </a:pPr>
-            <a:r>
-              <a:rPr lang="en-US" sz="2400" b="1" i="1" dirty="0">
-                <a:solidFill>
-                  <a:srgbClr val="000000"/>
-                </a:solidFill>
-                <a:effectLst/>
-                <a:latin typeface="Open Sans" panose="020B0606030504020204" pitchFamily="34" charset="0"/>
-              </a:rPr>
-              <a:t>logical connectives</a:t>
-            </a:r>
-            <a:r>
-              <a:rPr lang="en-US" sz="2400" b="0" i="0" dirty="0">
-                <a:solidFill>
-                  <a:srgbClr val="000000"/>
-                </a:solidFill>
-                <a:effectLst/>
-                <a:latin typeface="Open Sans" panose="020B0606030504020204" pitchFamily="34" charset="0"/>
-              </a:rPr>
-              <a:t>: connect or modify statements</a:t>
-            </a:r>
-          </a:p>
-          <a:p>
-            <a:pPr marL="0" indent="0">
-              <a:buNone/>
-            </a:pPr>
-            <a:endParaRPr lang="en-US" sz="2400" dirty="0">
-              <a:solidFill>
-                <a:srgbClr val="000000"/>
-              </a:solidFill>
-              <a:latin typeface="Open Sans" panose="020B0606030504020204" pitchFamily="34" charset="0"/>
-            </a:endParaRPr>
-          </a:p>
-          <a:p>
-            <a:pPr marL="0" indent="0">
-              <a:buNone/>
-            </a:pPr>
-            <a:r>
-              <a:rPr lang="en-US" sz="2400" b="0" i="0" dirty="0">
-                <a:solidFill>
-                  <a:srgbClr val="000000"/>
-                </a:solidFill>
-                <a:effectLst/>
-                <a:latin typeface="Open Sans" panose="020B0606030504020204" pitchFamily="34" charset="0"/>
-              </a:rPr>
-              <a:t> </a:t>
-            </a:r>
-            <a:endParaRPr lang="en-US" sz="2400" dirty="0">
-              <a:solidFill>
-                <a:srgbClr val="000000"/>
-              </a:solidFill>
-              <a:latin typeface="Open Sans" panose="020B0606030504020204" pitchFamily="34" charset="0"/>
-            </a:endParaRPr>
-          </a:p>
-        </p:txBody>
-      </p:sp>
-    </p:spTree>
-    <p:extLst>
-      <p:ext uri="{BB962C8B-B14F-4D97-AF65-F5344CB8AC3E}">
-        <p14:creationId xmlns:p14="http://schemas.microsoft.com/office/powerpoint/2010/main" val="953198849"/>
-      </p:ext>
-    </p:extLst>
-  </p:cSld>
-  <p:clrMapOvr>
-    <a:masterClrMapping/>
-  </p:clrMapOvr>
-</p:sld>
-</file>
-
 <file path=ppt/slides/slide28.xml><?xml version="1.0" encoding="utf-8"?>
 <p:sld xmlns:a="http://schemas.openxmlformats.org/drawingml/2006/main" xmlns:r="http://schemas.openxmlformats.org/officeDocument/2006/relationships" xmlns:p="http://schemas.openxmlformats.org/presentationml/2006/main">
   <p:cSld>
@@ -9883,109 +9834,6 @@
             <a:pPr marL="0" indent="0">
               <a:buNone/>
             </a:pPr>
-            <a:endParaRPr lang="en-US" sz="2400" b="0" i="0" dirty="0">
-              <a:solidFill>
-                <a:srgbClr val="000000"/>
-              </a:solidFill>
-              <a:effectLst/>
-              <a:latin typeface="Open Sans" panose="020B0606030504020204" pitchFamily="34" charset="0"/>
-            </a:endParaRPr>
-          </a:p>
-          <a:p>
-            <a:pPr marL="0" indent="0">
-              <a:buNone/>
-            </a:pPr>
-            <a:r>
-              <a:rPr lang="en-US" sz="2400" b="1" i="1" dirty="0">
-                <a:solidFill>
-                  <a:srgbClr val="000000"/>
-                </a:solidFill>
-                <a:latin typeface="Open Sans" panose="020B0606030504020204" pitchFamily="34" charset="0"/>
-              </a:rPr>
-              <a:t>binary connectives</a:t>
-            </a:r>
-            <a:r>
-              <a:rPr lang="en-US" sz="2400" dirty="0">
-                <a:solidFill>
-                  <a:srgbClr val="000000"/>
-                </a:solidFill>
-                <a:latin typeface="Open Sans" panose="020B0606030504020204" pitchFamily="34" charset="0"/>
-              </a:rPr>
-              <a:t>: connect two statements</a:t>
-            </a:r>
-          </a:p>
-          <a:p>
-            <a:pPr marL="0" indent="0">
-              <a:buNone/>
-            </a:pPr>
-            <a:r>
-              <a:rPr lang="en-US" sz="2400" b="0" i="0" dirty="0">
-                <a:solidFill>
-                  <a:srgbClr val="000000"/>
-                </a:solidFill>
-                <a:effectLst/>
-                <a:latin typeface="Open Sans" panose="020B0606030504020204" pitchFamily="34" charset="0"/>
-              </a:rPr>
-              <a:t>	</a:t>
-            </a:r>
-            <a:r>
-              <a:rPr lang="en-US" sz="2400" dirty="0">
-                <a:solidFill>
-                  <a:srgbClr val="000000"/>
-                </a:solidFill>
-                <a:latin typeface="Open Sans" panose="020B0606030504020204" pitchFamily="34" charset="0"/>
-              </a:rPr>
-              <a:t>- and</a:t>
-            </a:r>
-          </a:p>
-          <a:p>
-            <a:pPr marL="0" indent="0">
-              <a:buNone/>
-            </a:pPr>
-            <a:r>
-              <a:rPr lang="en-US" sz="2400" b="0" i="0" dirty="0">
-                <a:solidFill>
-                  <a:srgbClr val="000000"/>
-                </a:solidFill>
-                <a:effectLst/>
-                <a:latin typeface="Open Sans" panose="020B0606030504020204" pitchFamily="34" charset="0"/>
-              </a:rPr>
-              <a:t>	- or</a:t>
-            </a:r>
-          </a:p>
-          <a:p>
-            <a:pPr marL="0" indent="0">
-              <a:buNone/>
-            </a:pPr>
-            <a:r>
-              <a:rPr lang="en-US" sz="2400" dirty="0">
-                <a:solidFill>
-                  <a:srgbClr val="000000"/>
-                </a:solidFill>
-                <a:latin typeface="Open Sans" panose="020B0606030504020204" pitchFamily="34" charset="0"/>
-              </a:rPr>
-              <a:t>	- if … then …</a:t>
-            </a:r>
-          </a:p>
-          <a:p>
-            <a:pPr marL="0" indent="0">
-              <a:buNone/>
-            </a:pPr>
-            <a:r>
-              <a:rPr lang="en-US" sz="2400" b="0" i="0" dirty="0">
-                <a:solidFill>
-                  <a:srgbClr val="000000"/>
-                </a:solidFill>
-                <a:effectLst/>
-                <a:latin typeface="Open Sans" panose="020B0606030504020204" pitchFamily="34" charset="0"/>
-              </a:rPr>
-              <a:t>	- if and only if </a:t>
-            </a:r>
-          </a:p>
-          <a:p>
-            <a:pPr marL="0" indent="0">
-              <a:buNone/>
-            </a:pPr>
             <a:endParaRPr lang="en-US" sz="2400" dirty="0">
               <a:solidFill>
                 <a:srgbClr val="000000"/>
@@ -9997,18 +9845,16 @@
             <a:pPr marL="0" indent="0">
               <a:buNone/>
             </a:pPr>
-            <a:endParaRPr lang="en-US" sz="2400" b="0" i="0" dirty="0">
-              <a:solidFill>
-                <a:srgbClr val="000000"/>
-              </a:solidFill>
-              <a:effectLst/>
-              <a:latin typeface="Open Sans" panose="020B0606030504020204" pitchFamily="34" charset="0"/>
-            </a:endParaRPr>
-          </a:p>
-          <a:p>
-            <a:pPr marL="0" indent="0">
-              <a:buNone/>
-            </a:pPr>
+            <a:r>
+              <a:rPr lang="en-US" sz="2400" b="0" i="0" dirty="0">
+                <a:solidFill>
+                  <a:srgbClr val="000000"/>
+                </a:solidFill>
+                <a:effectLst/>
+                <a:latin typeface="Open Sans" panose="020B0606030504020204" pitchFamily="34" charset="0"/>
+              </a:rPr>
+              <a:t> </a:t>
+            </a:r>
             <a:endParaRPr lang="en-US" sz="2400" dirty="0">
               <a:solidFill>
                 <a:srgbClr val="000000"/>
@@ -10016,33 +9862,12 @@
               <a:latin typeface="Open Sans" panose="020B0606030504020204" pitchFamily="34" charset="0"/>
             </a:endParaRPr>
           </a:p>
-          <a:p>
-            <a:pPr marL="0" indent="0">
-              <a:buNone/>
-            </a:pPr>
-            <a:r>
-              <a:rPr lang="en-US" sz="2400" b="0" i="0" dirty="0">
-                <a:solidFill>
-                  <a:srgbClr val="000000"/>
-                </a:solidFill>
-                <a:effectLst/>
-                <a:latin typeface="Open Sans" panose="020B0606030504020204" pitchFamily="34" charset="0"/>
-              </a:rPr>
-              <a:t> </a:t>
-            </a:r>
-            <a:endParaRPr lang="en-US" sz="2400" dirty="0">
-              <a:solidFill>
-                <a:srgbClr val="000000"/>
-              </a:solidFill>
-              <a:latin typeface="Open Sans" panose="020B0606030504020204" pitchFamily="34" charset="0"/>
-            </a:endParaRPr>
-          </a:p>
         </p:txBody>
       </p:sp>
     </p:spTree>
     <p:extLst>
       <p:ext uri="{BB962C8B-B14F-4D97-AF65-F5344CB8AC3E}">
-        <p14:creationId xmlns:p14="http://schemas.microsoft.com/office/powerpoint/2010/main" val="2086341856"/>
+        <p14:creationId xmlns:p14="http://schemas.microsoft.com/office/powerpoint/2010/main" val="953198849"/>
       </p:ext>
     </p:extLst>
   </p:cSld>
@@ -10250,53 +10075,6 @@
             <a:pPr marL="0" indent="0">
               <a:buNone/>
             </a:pPr>
-            <a:r>
-              <a:rPr lang="en-US" sz="2400" b="1" i="1" dirty="0">
-                <a:solidFill>
-                  <a:srgbClr val="000000"/>
-                </a:solidFill>
-                <a:latin typeface="Open Sans" panose="020B0606030504020204" pitchFamily="34" charset="0"/>
-              </a:rPr>
-              <a:t>unary connectives</a:t>
-            </a:r>
-            <a:r>
-              <a:rPr lang="en-US" sz="2400" dirty="0">
-                <a:solidFill>
-                  <a:srgbClr val="000000"/>
-                </a:solidFill>
-                <a:latin typeface="Open Sans" panose="020B0606030504020204" pitchFamily="34" charset="0"/>
-              </a:rPr>
-              <a:t>: applies to a single statement</a:t>
-            </a:r>
-          </a:p>
-          <a:p>
-            <a:pPr marL="0" indent="0">
-              <a:buNone/>
-            </a:pPr>
-            <a:r>
-              <a:rPr lang="en-US" sz="2400" dirty="0">
-                <a:solidFill>
-                  <a:srgbClr val="000000"/>
-                </a:solidFill>
-                <a:latin typeface="Open Sans" panose="020B0606030504020204" pitchFamily="34" charset="0"/>
-              </a:rPr>
-              <a:t>	- not</a:t>
-            </a:r>
-          </a:p>
-          <a:p>
-            <a:pPr marL="0" indent="0">
-              <a:buNone/>
-            </a:pPr>
-            <a:r>
-              <a:rPr lang="en-US" sz="2400" b="0" i="0" dirty="0">
-                <a:solidFill>
-                  <a:srgbClr val="000000"/>
-                </a:solidFill>
-                <a:effectLst/>
-                <a:latin typeface="Open Sans" panose="020B0606030504020204" pitchFamily="34" charset="0"/>
-              </a:rPr>
-              <a:t> </a:t>
-            </a:r>
             <a:endParaRPr lang="en-US" sz="2400" dirty="0">
               <a:solidFill>
                 <a:srgbClr val="000000"/>
@@ -10304,12 +10082,56 @@
               <a:latin typeface="Open Sans" panose="020B0606030504020204" pitchFamily="34" charset="0"/>
             </a:endParaRPr>
           </a:p>
+          <a:p>
+            <a:pPr marL="0" indent="0">
+              <a:buNone/>
+            </a:pPr>
+            <a:endParaRPr lang="en-US" sz="2400" b="0" i="0" dirty="0">
+              <a:solidFill>
+                <a:srgbClr val="000000"/>
+              </a:solidFill>
+              <a:effectLst/>
+              <a:latin typeface="Open Sans" panose="020B0606030504020204" pitchFamily="34" charset="0"/>
+            </a:endParaRPr>
+          </a:p>
+          <a:p>
+            <a:pPr marL="0" indent="0">
+              <a:buNone/>
+            </a:pPr>
+            <a:endParaRPr lang="en-US" sz="2400" dirty="0">
+              <a:solidFill>
+                <a:srgbClr val="000000"/>
+              </a:solidFill>
+              <a:latin typeface="Open Sans" panose="020B0606030504020204" pitchFamily="34" charset="0"/>
+            </a:endParaRPr>
+          </a:p>
+          <a:p>
+            <a:pPr marL="0" indent="0">
+              <a:buNone/>
+            </a:pPr>
+            <a:r>
+              <a:rPr lang="en-US" sz="2400" b="0" i="0" dirty="0">
+                <a:solidFill>
+                  <a:srgbClr val="000000"/>
+                </a:solidFill>
+                <a:effectLst/>
+                <a:latin typeface="Open Sans" panose="020B0606030504020204" pitchFamily="34" charset="0"/>
+              </a:rPr>
+              <a:t> </a:t>
+            </a:r>
+            <a:endParaRPr lang="en-US" sz="2400" dirty="0">
+              <a:solidFill>
+                <a:srgbClr val="000000"/>
+              </a:solidFill>
+              <a:latin typeface="Open Sans" panose="020B0606030504020204" pitchFamily="34" charset="0"/>
+            </a:endParaRPr>
+          </a:p>
         </p:txBody>
       </p:sp>
     </p:spTree>
     <p:extLst>
       <p:ext uri="{BB962C8B-B14F-4D97-AF65-F5344CB8AC3E}">
-        <p14:creationId xmlns:p14="http://schemas.microsoft.com/office/powerpoint/2010/main" val="3779679990"/>
+        <p14:creationId xmlns:p14="http://schemas.microsoft.com/office/powerpoint/2010/main" val="2086341856"/>
       </p:ext>
     </p:extLst>
   </p:cSld>
@@ -11320,65 +11142,19 @@
               </a:rPr>
               <a:t> </a:t>
             </a:r>
-          </a:p>
-        </p:txBody>
-      </p:sp>
-      <p:sp>
-        <p:nvSpPr>
-          <p:cNvPr id="3" name="Rounded Rectangle 2">
-            <a:extLst>
-              <a:ext uri="{FF2B5EF4-FFF2-40B4-BE49-F238E27FC236}">
-                <a16:creationId xmlns:a16="http://schemas.microsoft.com/office/drawing/2014/main" id="{1763C989-DA82-16D4-2486-3DBAED0D9368}"/>
-              </a:ext>
-            </a:extLst>
-          </p:cNvPr>
-          <p:cNvSpPr/>
-          <p:nvPr/>
-        </p:nvSpPr>
-        <p:spPr>
-          <a:xfrm>
-            <a:off x="623455" y="5167745"/>
-            <a:ext cx="11139054" cy="1524000"/>
-          </a:xfrm>
-          <a:prstGeom prst="roundRect">
-            <a:avLst/>
-          </a:prstGeom>
-        </p:spPr>
-        <p:style>
-          <a:lnRef idx="2">
-            <a:schemeClr val="accent5">
-              <a:shade val="15000"/>
-            </a:schemeClr>
-          </a:lnRef>
-          <a:fillRef idx="1">
-            <a:schemeClr val="accent5"/>
-          </a:fillRef>
-          <a:effectRef idx="0">
-            <a:schemeClr val="accent5"/>
-          </a:effectRef>
-          <a:fontRef idx="minor">
-            <a:schemeClr val="lt1"/>
-          </a:fontRef>
-        </p:style>
-        <p:txBody>
-          <a:bodyPr rtlCol="0" anchor="ctr"/>
-          <a:lstStyle/>
-          <a:p>
-            <a:r>
-              <a:rPr lang="en-US" sz="2400" b="1" dirty="0"/>
-              <a:t>Practice</a:t>
-            </a:r>
-            <a:r>
-              <a:rPr lang="en-US" sz="2400" dirty="0"/>
-              <a:t>: Form 5 groups. Each will be assigned a connective. Come up with two examples of statements using your connective. For each example, identify molecular statements, atomic statements, and connective. </a:t>
-            </a:r>
+            <a:endParaRPr lang="en-US" sz="2400" dirty="0">
+              <a:solidFill>
+                <a:srgbClr val="000000"/>
+              </a:solidFill>
+              <a:latin typeface="Open Sans" panose="020B0606030504020204" pitchFamily="34" charset="0"/>
+            </a:endParaRPr>
           </a:p>
         </p:txBody>
       </p:sp>
     </p:spTree>
     <p:extLst>
       <p:ext uri="{BB962C8B-B14F-4D97-AF65-F5344CB8AC3E}">
-        <p14:creationId xmlns:p14="http://schemas.microsoft.com/office/powerpoint/2010/main" val="3095277369"/>
+        <p14:creationId xmlns:p14="http://schemas.microsoft.com/office/powerpoint/2010/main" val="3779679990"/>
       </p:ext>
     </p:extLst>
   </p:cSld>
@@ -11415,19 +11191,14 @@
             <p:ph type="title"/>
           </p:nvPr>
         </p:nvSpPr>
-        <p:spPr>
-          <a:xfrm>
-            <a:off x="252919" y="1123837"/>
-            <a:ext cx="2989044" cy="4601183"/>
-          </a:xfrm>
-        </p:spPr>
+        <p:spPr/>
         <p:txBody>
           <a:bodyPr/>
           <a:lstStyle/>
           <a:p>
             <a:r>
               <a:rPr lang="en-US" dirty="0"/>
-              <a:t>Symbolic Representation</a:t>
+              <a:t>Vocab: Logical Connectives</a:t>
             </a:r>
           </a:p>
         </p:txBody>
@@ -11460,15 +11231,235 @@
           </a:bodyPr>
           <a:lstStyle/>
           <a:p>
-            <a:r>
-              <a:rPr lang="en-US" sz="2400" b="0" i="0" dirty="0">
+            <a:pPr marL="0" indent="0">
+              <a:buNone/>
+            </a:pPr>
+            <a:r>
+              <a:rPr lang="en-US" sz="2400" b="1" i="1" dirty="0">
                 <a:solidFill>
                   <a:srgbClr val="000000"/>
                 </a:solidFill>
                 <a:effectLst/>
                 <a:latin typeface="Open Sans" panose="020B0606030504020204" pitchFamily="34" charset="0"/>
               </a:rPr>
-              <a:t>Writing out entire statements is a pain</a:t>
+              <a:t>logical connectives</a:t>
+            </a:r>
+            <a:r>
+              <a:rPr lang="en-US" sz="2400" b="0" i="0" dirty="0">
+                <a:solidFill>
+                  <a:srgbClr val="000000"/>
+                </a:solidFill>
+                <a:effectLst/>
+                <a:latin typeface="Open Sans" panose="020B0606030504020204" pitchFamily="34" charset="0"/>
+              </a:rPr>
+              <a:t>: connect or modify statements</a:t>
+            </a:r>
+          </a:p>
+          <a:p>
+            <a:pPr marL="0" indent="0">
+              <a:buNone/>
+            </a:pPr>
+            <a:endParaRPr lang="en-US" sz="2400" b="0" i="0" dirty="0">
+              <a:solidFill>
+                <a:srgbClr val="000000"/>
+              </a:solidFill>
+              <a:effectLst/>
+              <a:latin typeface="Open Sans" panose="020B0606030504020204" pitchFamily="34" charset="0"/>
+            </a:endParaRPr>
+          </a:p>
+          <a:p>
+            <a:pPr marL="0" indent="0">
+              <a:buNone/>
+            </a:pPr>
+            <a:r>
+              <a:rPr lang="en-US" sz="2400" b="1" i="1" dirty="0">
+                <a:solidFill>
+                  <a:srgbClr val="000000"/>
+                </a:solidFill>
+                <a:latin typeface="Open Sans" panose="020B0606030504020204" pitchFamily="34" charset="0"/>
+              </a:rPr>
+              <a:t>binary connectives</a:t>
+            </a:r>
+            <a:r>
+              <a:rPr lang="en-US" sz="2400" dirty="0">
+                <a:solidFill>
+                  <a:srgbClr val="000000"/>
+                </a:solidFill>
+                <a:latin typeface="Open Sans" panose="020B0606030504020204" pitchFamily="34" charset="0"/>
+              </a:rPr>
+              <a:t>: connect two statements</a:t>
+            </a:r>
+          </a:p>
+          <a:p>
+            <a:pPr marL="0" indent="0">
+              <a:buNone/>
+            </a:pPr>
+            <a:r>
+              <a:rPr lang="en-US" sz="2400" b="0" i="0" dirty="0">
+                <a:solidFill>
+                  <a:srgbClr val="000000"/>
+                </a:solidFill>
+                <a:effectLst/>
+                <a:latin typeface="Open Sans" panose="020B0606030504020204" pitchFamily="34" charset="0"/>
+              </a:rPr>
+              <a:t>	</a:t>
+            </a:r>
+            <a:r>
+              <a:rPr lang="en-US" sz="2400" dirty="0">
+                <a:solidFill>
+                  <a:srgbClr val="000000"/>
+                </a:solidFill>
+                <a:latin typeface="Open Sans" panose="020B0606030504020204" pitchFamily="34" charset="0"/>
+              </a:rPr>
+              <a:t>- and</a:t>
+            </a:r>
+          </a:p>
+          <a:p>
+            <a:pPr marL="0" indent="0">
+              <a:buNone/>
+            </a:pPr>
+            <a:r>
+              <a:rPr lang="en-US" sz="2400" b="0" i="0" dirty="0">
+                <a:solidFill>
+                  <a:srgbClr val="000000"/>
+                </a:solidFill>
+                <a:effectLst/>
+                <a:latin typeface="Open Sans" panose="020B0606030504020204" pitchFamily="34" charset="0"/>
+              </a:rPr>
+              <a:t>	- or</a:t>
+            </a:r>
+          </a:p>
+          <a:p>
+            <a:pPr marL="0" indent="0">
+              <a:buNone/>
+            </a:pPr>
+            <a:r>
+              <a:rPr lang="en-US" sz="2400" dirty="0">
+                <a:solidFill>
+                  <a:srgbClr val="000000"/>
+                </a:solidFill>
+                <a:latin typeface="Open Sans" panose="020B0606030504020204" pitchFamily="34" charset="0"/>
+              </a:rPr>
+              <a:t>	- if … then …</a:t>
+            </a:r>
+          </a:p>
+          <a:p>
+            <a:pPr marL="0" indent="0">
+              <a:buNone/>
+            </a:pPr>
+            <a:r>
+              <a:rPr lang="en-US" sz="2400" b="0" i="0" dirty="0">
+                <a:solidFill>
+                  <a:srgbClr val="000000"/>
+                </a:solidFill>
+                <a:effectLst/>
+                <a:latin typeface="Open Sans" panose="020B0606030504020204" pitchFamily="34" charset="0"/>
+              </a:rPr>
+              <a:t>	- if and only if </a:t>
+            </a:r>
+          </a:p>
+          <a:p>
+            <a:pPr marL="0" indent="0">
+              <a:buNone/>
+            </a:pPr>
+            <a:r>
+              <a:rPr lang="en-US" sz="2400" b="1" i="1" dirty="0">
+                <a:solidFill>
+                  <a:srgbClr val="000000"/>
+                </a:solidFill>
+                <a:latin typeface="Open Sans" panose="020B0606030504020204" pitchFamily="34" charset="0"/>
+              </a:rPr>
+              <a:t>unary connectives</a:t>
+            </a:r>
+            <a:r>
+              <a:rPr lang="en-US" sz="2400" dirty="0">
+                <a:solidFill>
+                  <a:srgbClr val="000000"/>
+                </a:solidFill>
+                <a:latin typeface="Open Sans" panose="020B0606030504020204" pitchFamily="34" charset="0"/>
+              </a:rPr>
+              <a:t>: applies to a single statement</a:t>
+            </a:r>
+          </a:p>
+          <a:p>
+            <a:pPr marL="0" indent="0">
+              <a:buNone/>
+            </a:pPr>
+            <a:r>
+              <a:rPr lang="en-US" sz="2400" dirty="0">
+                <a:solidFill>
+                  <a:srgbClr val="000000"/>
+                </a:solidFill>
+                <a:latin typeface="Open Sans" panose="020B0606030504020204" pitchFamily="34" charset="0"/>
+              </a:rPr>
+              <a:t>	- not</a:t>
+            </a:r>
+          </a:p>
+          <a:p>
+            <a:pPr marL="0" indent="0">
+              <a:buNone/>
+            </a:pPr>
+            <a:r>
+              <a:rPr lang="en-US" sz="2400" b="0" i="0" dirty="0">
+                <a:solidFill>
+                  <a:srgbClr val="000000"/>
+                </a:solidFill>
+                <a:effectLst/>
+                <a:latin typeface="Open Sans" panose="020B0606030504020204" pitchFamily="34" charset="0"/>
+              </a:rPr>
+              <a:t> </a:t>
+            </a:r>
+          </a:p>
+        </p:txBody>
+      </p:sp>
+      <p:sp>
+        <p:nvSpPr>
+          <p:cNvPr id="3" name="Rounded Rectangle 2">
+            <a:extLst>
+              <a:ext uri="{FF2B5EF4-FFF2-40B4-BE49-F238E27FC236}">
+                <a16:creationId xmlns:a16="http://schemas.microsoft.com/office/drawing/2014/main" id="{1763C989-DA82-16D4-2486-3DBAED0D9368}"/>
+              </a:ext>
+            </a:extLst>
+          </p:cNvPr>
+          <p:cNvSpPr/>
+          <p:nvPr/>
+        </p:nvSpPr>
+        <p:spPr>
+          <a:xfrm>
+            <a:off x="623455" y="5167745"/>
+            <a:ext cx="11139054" cy="1524000"/>
+          </a:xfrm>
+          <a:prstGeom prst="roundRect">
+            <a:avLst/>
+          </a:prstGeom>
+        </p:spPr>
+        <p:style>
+          <a:lnRef idx="2">
+            <a:schemeClr val="accent5">
+              <a:shade val="15000"/>
+            </a:schemeClr>
+          </a:lnRef>
+          <a:fillRef idx="1">
+            <a:schemeClr val="accent5"/>
+          </a:fillRef>
+          <a:effectRef idx="0">
+            <a:schemeClr val="accent5"/>
+          </a:effectRef>
+          <a:fontRef idx="minor">
+            <a:schemeClr val="lt1"/>
+          </a:fontRef>
+        </p:style>
+        <p:txBody>
+          <a:bodyPr rtlCol="0" anchor="ctr"/>
+          <a:lstStyle/>
+          <a:p>
+            <a:r>
+              <a:rPr lang="en-US" sz="2400" b="1" dirty="0"/>
+              <a:t>Practice</a:t>
+            </a:r>
+            <a:r>
+              <a:rPr lang="en-US" sz="2400" dirty="0"/>
+              <a:t>: Form 5 groups. Each will be assigned a connective. Come up with two examples of statements using your connective. For each example, identify molecular statements, atomic statements, and connective. </a:t>
             </a:r>
           </a:p>
         </p:txBody>
@@ -11476,7 +11467,7 @@
     </p:spTree>
     <p:extLst>
       <p:ext uri="{BB962C8B-B14F-4D97-AF65-F5344CB8AC3E}">
-        <p14:creationId xmlns:p14="http://schemas.microsoft.com/office/powerpoint/2010/main" val="3511187592"/>
+        <p14:creationId xmlns:p14="http://schemas.microsoft.com/office/powerpoint/2010/main" val="3095277369"/>
       </p:ext>
     </p:extLst>
   </p:cSld>
@@ -11569,32 +11560,12 @@
               <a:t>Writing out entire statements is a pain</a:t>
             </a:r>
           </a:p>
-          <a:p>
-            <a:r>
-              <a:rPr lang="en-US" sz="2400" dirty="0">
-                <a:solidFill>
-                  <a:srgbClr val="000000"/>
-                </a:solidFill>
-                <a:latin typeface="Open Sans" panose="020B0606030504020204" pitchFamily="34" charset="0"/>
-              </a:rPr>
-              <a:t>To save time, we represent statements (usually atomic) with </a:t>
-            </a:r>
-            <a:r>
-              <a:rPr lang="en-US" sz="2400" i="1" dirty="0">
-                <a:solidFill>
-                  <a:srgbClr val="000000"/>
-                </a:solidFill>
-                <a:latin typeface="Open Sans" panose="020B0606030504020204" pitchFamily="34" charset="0"/>
-              </a:rPr>
-              <a:t>variables</a:t>
-            </a:r>
-          </a:p>
         </p:txBody>
       </p:sp>
     </p:spTree>
     <p:extLst>
       <p:ext uri="{BB962C8B-B14F-4D97-AF65-F5344CB8AC3E}">
-        <p14:creationId xmlns:p14="http://schemas.microsoft.com/office/powerpoint/2010/main" val="1834707945"/>
+        <p14:creationId xmlns:p14="http://schemas.microsoft.com/office/powerpoint/2010/main" val="3511187592"/>
       </p:ext>
     </p:extLst>
   </p:cSld>
@@ -11707,116 +11678,12 @@
               <a:t>variables</a:t>
             </a:r>
           </a:p>
-          <a:p>
-            <a:r>
-              <a:rPr lang="en-US" sz="2400" b="0" dirty="0">
-                <a:solidFill>
-                  <a:srgbClr val="000000"/>
-                </a:solidFill>
-                <a:effectLst/>
-                <a:latin typeface="Open Sans" panose="020B0606030504020204" pitchFamily="34" charset="0"/>
-              </a:rPr>
-              <a:t>It is custom to use capital letters</a:t>
-            </a:r>
-            <a:r>
-              <a:rPr lang="en-US" sz="2400" dirty="0">
-                <a:solidFill>
-                  <a:srgbClr val="000000"/>
-                </a:solidFill>
-                <a:latin typeface="Open Sans" panose="020B0606030504020204" pitchFamily="34" charset="0"/>
-              </a:rPr>
-              <a:t> in the middle of the alphabet for statement variables</a:t>
-            </a:r>
-          </a:p>
-          <a:p>
-            <a:pPr lvl="1"/>
-            <a:r>
-              <a:rPr lang="en-US" sz="2200" b="0" dirty="0">
-                <a:solidFill>
-                  <a:srgbClr val="000000"/>
-                </a:solidFill>
-                <a:effectLst/>
-                <a:latin typeface="Open Sans" panose="020B0606030504020204" pitchFamily="34" charset="0"/>
-              </a:rPr>
-              <a:t>Ex. </a:t>
-            </a:r>
-            <a:r>
-              <a:rPr lang="en-US" sz="2200" b="0" i="1" dirty="0">
-                <a:solidFill>
-                  <a:srgbClr val="000000"/>
-                </a:solidFill>
-                <a:effectLst/>
-                <a:latin typeface="Open Sans" panose="020B0606030504020204" pitchFamily="34" charset="0"/>
-              </a:rPr>
-              <a:t>P</a:t>
-            </a:r>
-            <a:r>
-              <a:rPr lang="en-US" sz="2200" b="0" dirty="0">
-                <a:solidFill>
-                  <a:srgbClr val="000000"/>
-                </a:solidFill>
-                <a:effectLst/>
-                <a:latin typeface="Open Sans" panose="020B0606030504020204" pitchFamily="34" charset="0"/>
-              </a:rPr>
-              <a:t>, </a:t>
-            </a:r>
-            <a:r>
-              <a:rPr lang="en-US" sz="2200" b="0" i="1" dirty="0">
-                <a:solidFill>
-                  <a:srgbClr val="000000"/>
-                </a:solidFill>
-                <a:effectLst/>
-                <a:latin typeface="Open Sans" panose="020B0606030504020204" pitchFamily="34" charset="0"/>
-              </a:rPr>
-              <a:t>Q</a:t>
-            </a:r>
-            <a:r>
-              <a:rPr lang="en-US" sz="2200" b="0" dirty="0">
-                <a:solidFill>
-                  <a:srgbClr val="000000"/>
-                </a:solidFill>
-                <a:effectLst/>
-                <a:latin typeface="Open Sans" panose="020B0606030504020204" pitchFamily="34" charset="0"/>
-              </a:rPr>
-              <a:t>, </a:t>
-            </a:r>
-            <a:r>
-              <a:rPr lang="en-US" sz="2200" b="0" i="1" dirty="0">
-                <a:solidFill>
-                  <a:srgbClr val="000000"/>
-                </a:solidFill>
-                <a:effectLst/>
-                <a:latin typeface="Open Sans" panose="020B0606030504020204" pitchFamily="34" charset="0"/>
-              </a:rPr>
-              <a:t>R</a:t>
-            </a:r>
-            <a:r>
-              <a:rPr lang="en-US" sz="2200" b="0" dirty="0">
-                <a:solidFill>
-                  <a:srgbClr val="000000"/>
-                </a:solidFill>
-                <a:effectLst/>
-                <a:latin typeface="Open Sans" panose="020B0606030504020204" pitchFamily="34" charset="0"/>
-              </a:rPr>
-              <a:t>, </a:t>
-            </a:r>
-            <a:r>
-              <a:rPr lang="en-US" sz="2200" b="0" i="1" dirty="0">
-                <a:solidFill>
-                  <a:srgbClr val="000000"/>
-                </a:solidFill>
-                <a:effectLst/>
-                <a:latin typeface="Open Sans" panose="020B0606030504020204" pitchFamily="34" charset="0"/>
-              </a:rPr>
-              <a:t>S</a:t>
-            </a:r>
-          </a:p>
         </p:txBody>
       </p:sp>
     </p:spTree>
     <p:extLst>
       <p:ext uri="{BB962C8B-B14F-4D97-AF65-F5344CB8AC3E}">
-        <p14:creationId xmlns:p14="http://schemas.microsoft.com/office/powerpoint/2010/main" val="249184772"/>
+        <p14:creationId xmlns:p14="http://schemas.microsoft.com/office/powerpoint/2010/main" val="1834707945"/>
       </p:ext>
     </p:extLst>
   </p:cSld>
@@ -12033,40 +11900,12 @@
               <a:t>S</a:t>
             </a:r>
           </a:p>
-          <a:p>
-            <a:r>
-              <a:rPr lang="en-US" sz="2400" b="0" dirty="0">
-                <a:solidFill>
-                  <a:srgbClr val="000000"/>
-                </a:solidFill>
-                <a:effectLst/>
-                <a:latin typeface="Open Sans" panose="020B0606030504020204" pitchFamily="34" charset="0"/>
-              </a:rPr>
-              <a:t>Note: </a:t>
-            </a:r>
-            <a:r>
-              <a:rPr lang="en-US" sz="2400" dirty="0">
-                <a:solidFill>
-                  <a:srgbClr val="000000"/>
-                </a:solidFill>
-                <a:latin typeface="Open Sans" panose="020B0606030504020204" pitchFamily="34" charset="0"/>
-              </a:rPr>
-              <a:t>In this context, a variable only has 2 possible values – True (written T or 1) or False (written F or 0) </a:t>
-            </a:r>
-            <a:endParaRPr lang="en-US" sz="2400" b="0" dirty="0">
-              <a:solidFill>
-                <a:srgbClr val="000000"/>
-              </a:solidFill>
-              <a:effectLst/>
-              <a:latin typeface="Open Sans" panose="020B0606030504020204" pitchFamily="34" charset="0"/>
-            </a:endParaRPr>
-          </a:p>
         </p:txBody>
       </p:sp>
     </p:spTree>
     <p:extLst>
       <p:ext uri="{BB962C8B-B14F-4D97-AF65-F5344CB8AC3E}">
-        <p14:creationId xmlns:p14="http://schemas.microsoft.com/office/powerpoint/2010/main" val="4024131424"/>
+        <p14:creationId xmlns:p14="http://schemas.microsoft.com/office/powerpoint/2010/main" val="249184772"/>
       </p:ext>
     </p:extLst>
   </p:cSld>
@@ -12313,62 +12152,10 @@
           </a:p>
         </p:txBody>
       </p:sp>
-      <p:sp>
-        <p:nvSpPr>
-          <p:cNvPr id="3" name="Rounded Rectangle 2">
-            <a:extLst>
-              <a:ext uri="{FF2B5EF4-FFF2-40B4-BE49-F238E27FC236}">
-                <a16:creationId xmlns:a16="http://schemas.microsoft.com/office/drawing/2014/main" id="{F1325F07-17EB-600D-ECB4-1B7DEAF585D7}"/>
-              </a:ext>
-            </a:extLst>
-          </p:cNvPr>
-          <p:cNvSpPr/>
-          <p:nvPr/>
-        </p:nvSpPr>
-        <p:spPr>
-          <a:xfrm>
-            <a:off x="623455" y="5167745"/>
-            <a:ext cx="11139054" cy="1524000"/>
-          </a:xfrm>
-          <a:prstGeom prst="roundRect">
-            <a:avLst/>
-          </a:prstGeom>
-        </p:spPr>
-        <p:style>
-          <a:lnRef idx="2">
-            <a:schemeClr val="accent5">
-              <a:shade val="15000"/>
-            </a:schemeClr>
-          </a:lnRef>
-          <a:fillRef idx="1">
-            <a:schemeClr val="accent5"/>
-          </a:fillRef>
-          <a:effectRef idx="0">
-            <a:schemeClr val="accent5"/>
-          </a:effectRef>
-          <a:fontRef idx="minor">
-            <a:schemeClr val="lt1"/>
-          </a:fontRef>
-        </p:style>
-        <p:txBody>
-          <a:bodyPr rtlCol="0" anchor="ctr"/>
-          <a:lstStyle/>
-          <a:p>
-            <a:r>
-              <a:rPr lang="en-US" sz="2400" b="1" dirty="0"/>
-              <a:t>Practice</a:t>
-            </a:r>
-            <a:r>
-              <a:rPr lang="en-US" sz="2400" dirty="0"/>
-              <a:t>: Return to your groups. Re-write your statements from the previous exercise using variables. </a:t>
-            </a:r>
-          </a:p>
-        </p:txBody>
-      </p:sp>
     </p:spTree>
     <p:extLst>
       <p:ext uri="{BB962C8B-B14F-4D97-AF65-F5344CB8AC3E}">
-        <p14:creationId xmlns:p14="http://schemas.microsoft.com/office/powerpoint/2010/main" val="4057375169"/>
+        <p14:creationId xmlns:p14="http://schemas.microsoft.com/office/powerpoint/2010/main" val="4024131424"/>
       </p:ext>
     </p:extLst>
   </p:cSld>
@@ -12422,8 +12209,310 @@
           </a:p>
         </p:txBody>
       </p:sp>
-      <mc:AlternateContent xmlns:mc="http://schemas.openxmlformats.org/markup-compatibility/2006">
-        <mc:Choice xmlns:a14="http://schemas.microsoft.com/office/drawing/2010/main" Requires="a14">
+      <p:sp>
+        <p:nvSpPr>
+          <p:cNvPr id="6" name="Content Placeholder 2">
+            <a:extLst>
+              <a:ext uri="{FF2B5EF4-FFF2-40B4-BE49-F238E27FC236}">
+                <a16:creationId xmlns:a16="http://schemas.microsoft.com/office/drawing/2014/main" id="{5DFEF51D-F265-61A0-FAE6-BBE496D688A3}"/>
+              </a:ext>
+            </a:extLst>
+          </p:cNvPr>
+          <p:cNvSpPr>
+            <a:spLocks noGrp="1"/>
+          </p:cNvSpPr>
+          <p:nvPr>
+            <p:ph idx="1"/>
+          </p:nvPr>
+        </p:nvSpPr>
+        <p:spPr>
+          <a:xfrm>
+            <a:off x="3588327" y="864108"/>
+            <a:ext cx="7827818" cy="5536692"/>
+          </a:xfrm>
+        </p:spPr>
+        <p:txBody>
+          <a:bodyPr anchor="t">
+            <a:normAutofit/>
+          </a:bodyPr>
+          <a:lstStyle/>
+          <a:p>
+            <a:r>
+              <a:rPr lang="en-US" sz="2400" b="0" i="0" dirty="0">
+                <a:solidFill>
+                  <a:srgbClr val="000000"/>
+                </a:solidFill>
+                <a:effectLst/>
+                <a:latin typeface="Open Sans" panose="020B0606030504020204" pitchFamily="34" charset="0"/>
+              </a:rPr>
+              <a:t>Writing out entire statements is a pain</a:t>
+            </a:r>
+          </a:p>
+          <a:p>
+            <a:r>
+              <a:rPr lang="en-US" sz="2400" dirty="0">
+                <a:solidFill>
+                  <a:srgbClr val="000000"/>
+                </a:solidFill>
+                <a:latin typeface="Open Sans" panose="020B0606030504020204" pitchFamily="34" charset="0"/>
+              </a:rPr>
+              <a:t>To save time, we represent statements (usually atomic) with </a:t>
+            </a:r>
+            <a:r>
+              <a:rPr lang="en-US" sz="2400" i="1" dirty="0">
+                <a:solidFill>
+                  <a:srgbClr val="000000"/>
+                </a:solidFill>
+                <a:latin typeface="Open Sans" panose="020B0606030504020204" pitchFamily="34" charset="0"/>
+              </a:rPr>
+              <a:t>variables</a:t>
+            </a:r>
+          </a:p>
+          <a:p>
+            <a:r>
+              <a:rPr lang="en-US" sz="2400" b="0" dirty="0">
+                <a:solidFill>
+                  <a:srgbClr val="000000"/>
+                </a:solidFill>
+                <a:effectLst/>
+                <a:latin typeface="Open Sans" panose="020B0606030504020204" pitchFamily="34" charset="0"/>
+              </a:rPr>
+              <a:t>It is custom to use capital letters</a:t>
+            </a:r>
+            <a:r>
+              <a:rPr lang="en-US" sz="2400" dirty="0">
+                <a:solidFill>
+                  <a:srgbClr val="000000"/>
+                </a:solidFill>
+                <a:latin typeface="Open Sans" panose="020B0606030504020204" pitchFamily="34" charset="0"/>
+              </a:rPr>
+              <a:t> in the middle of the alphabet for statement variables</a:t>
+            </a:r>
+          </a:p>
+          <a:p>
+            <a:pPr lvl="1"/>
+            <a:r>
+              <a:rPr lang="en-US" sz="2200" b="0" dirty="0">
+                <a:solidFill>
+                  <a:srgbClr val="000000"/>
+                </a:solidFill>
+                <a:effectLst/>
+                <a:latin typeface="Open Sans" panose="020B0606030504020204" pitchFamily="34" charset="0"/>
+              </a:rPr>
+              <a:t>Ex. </a:t>
+            </a:r>
+            <a:r>
+              <a:rPr lang="en-US" sz="2200" b="0" i="1" dirty="0">
+                <a:solidFill>
+                  <a:srgbClr val="000000"/>
+                </a:solidFill>
+                <a:effectLst/>
+                <a:latin typeface="Open Sans" panose="020B0606030504020204" pitchFamily="34" charset="0"/>
+              </a:rPr>
+              <a:t>P</a:t>
+            </a:r>
+            <a:r>
+              <a:rPr lang="en-US" sz="2200" b="0" dirty="0">
+                <a:solidFill>
+                  <a:srgbClr val="000000"/>
+                </a:solidFill>
+                <a:effectLst/>
+                <a:latin typeface="Open Sans" panose="020B0606030504020204" pitchFamily="34" charset="0"/>
+              </a:rPr>
+              <a:t>, </a:t>
+            </a:r>
+            <a:r>
+              <a:rPr lang="en-US" sz="2200" b="0" i="1" dirty="0">
+                <a:solidFill>
+                  <a:srgbClr val="000000"/>
+                </a:solidFill>
+                <a:effectLst/>
+                <a:latin typeface="Open Sans" panose="020B0606030504020204" pitchFamily="34" charset="0"/>
+              </a:rPr>
+              <a:t>Q</a:t>
+            </a:r>
+            <a:r>
+              <a:rPr lang="en-US" sz="2200" b="0" dirty="0">
+                <a:solidFill>
+                  <a:srgbClr val="000000"/>
+                </a:solidFill>
+                <a:effectLst/>
+                <a:latin typeface="Open Sans" panose="020B0606030504020204" pitchFamily="34" charset="0"/>
+              </a:rPr>
+              <a:t>, </a:t>
+            </a:r>
+            <a:r>
+              <a:rPr lang="en-US" sz="2200" b="0" i="1" dirty="0">
+                <a:solidFill>
+                  <a:srgbClr val="000000"/>
+                </a:solidFill>
+                <a:effectLst/>
+                <a:latin typeface="Open Sans" panose="020B0606030504020204" pitchFamily="34" charset="0"/>
+              </a:rPr>
+              <a:t>R</a:t>
+            </a:r>
+            <a:r>
+              <a:rPr lang="en-US" sz="2200" b="0" dirty="0">
+                <a:solidFill>
+                  <a:srgbClr val="000000"/>
+                </a:solidFill>
+                <a:effectLst/>
+                <a:latin typeface="Open Sans" panose="020B0606030504020204" pitchFamily="34" charset="0"/>
+              </a:rPr>
+              <a:t>, </a:t>
+            </a:r>
+            <a:r>
+              <a:rPr lang="en-US" sz="2200" b="0" i="1" dirty="0">
+                <a:solidFill>
+                  <a:srgbClr val="000000"/>
+                </a:solidFill>
+                <a:effectLst/>
+                <a:latin typeface="Open Sans" panose="020B0606030504020204" pitchFamily="34" charset="0"/>
+              </a:rPr>
+              <a:t>S</a:t>
+            </a:r>
+          </a:p>
+          <a:p>
+            <a:r>
+              <a:rPr lang="en-US" sz="2400" b="0" dirty="0">
+                <a:solidFill>
+                  <a:srgbClr val="000000"/>
+                </a:solidFill>
+                <a:effectLst/>
+                <a:latin typeface="Open Sans" panose="020B0606030504020204" pitchFamily="34" charset="0"/>
+              </a:rPr>
+              <a:t>Note: </a:t>
+            </a:r>
+            <a:r>
+              <a:rPr lang="en-US" sz="2400" dirty="0">
+                <a:solidFill>
+                  <a:srgbClr val="000000"/>
+                </a:solidFill>
+                <a:latin typeface="Open Sans" panose="020B0606030504020204" pitchFamily="34" charset="0"/>
+              </a:rPr>
+              <a:t>In this context, a variable only has 2 possible values – True (written T or 1) or False (written F or 0) </a:t>
+            </a:r>
+            <a:endParaRPr lang="en-US" sz="2400" b="0" dirty="0">
+              <a:solidFill>
+                <a:srgbClr val="000000"/>
+              </a:solidFill>
+              <a:effectLst/>
+              <a:latin typeface="Open Sans" panose="020B0606030504020204" pitchFamily="34" charset="0"/>
+            </a:endParaRPr>
+          </a:p>
+        </p:txBody>
+      </p:sp>
+      <p:sp>
+        <p:nvSpPr>
+          <p:cNvPr id="3" name="Rounded Rectangle 2">
+            <a:extLst>
+              <a:ext uri="{FF2B5EF4-FFF2-40B4-BE49-F238E27FC236}">
+                <a16:creationId xmlns:a16="http://schemas.microsoft.com/office/drawing/2014/main" id="{F1325F07-17EB-600D-ECB4-1B7DEAF585D7}"/>
+              </a:ext>
+            </a:extLst>
+          </p:cNvPr>
+          <p:cNvSpPr/>
+          <p:nvPr/>
+        </p:nvSpPr>
+        <p:spPr>
+          <a:xfrm>
+            <a:off x="623455" y="5167745"/>
+            <a:ext cx="11139054" cy="1524000"/>
+          </a:xfrm>
+          <a:prstGeom prst="roundRect">
+            <a:avLst/>
+          </a:prstGeom>
+        </p:spPr>
+        <p:style>
+          <a:lnRef idx="2">
+            <a:schemeClr val="accent5">
+              <a:shade val="15000"/>
+            </a:schemeClr>
+          </a:lnRef>
+          <a:fillRef idx="1">
+            <a:schemeClr val="accent5"/>
+          </a:fillRef>
+          <a:effectRef idx="0">
+            <a:schemeClr val="accent5"/>
+          </a:effectRef>
+          <a:fontRef idx="minor">
+            <a:schemeClr val="lt1"/>
+          </a:fontRef>
+        </p:style>
+        <p:txBody>
+          <a:bodyPr rtlCol="0" anchor="ctr"/>
+          <a:lstStyle/>
+          <a:p>
+            <a:r>
+              <a:rPr lang="en-US" sz="2400" b="1" dirty="0"/>
+              <a:t>Practice</a:t>
+            </a:r>
+            <a:r>
+              <a:rPr lang="en-US" sz="2400" dirty="0"/>
+              <a:t>: Return to your groups. Re-write your statements from the previous exercise using variables. </a:t>
+            </a:r>
+          </a:p>
+        </p:txBody>
+      </p:sp>
+    </p:spTree>
+    <p:extLst>
+      <p:ext uri="{BB962C8B-B14F-4D97-AF65-F5344CB8AC3E}">
+        <p14:creationId xmlns:p14="http://schemas.microsoft.com/office/powerpoint/2010/main" val="4057375169"/>
+      </p:ext>
+    </p:extLst>
+  </p:cSld>
+  <p:clrMapOvr>
+    <a:masterClrMapping/>
+  </p:clrMapOvr>
+</p:sld>
+</file>
+
+<file path=ppt/slides/slide37.xml><?xml version="1.0" encoding="utf-8"?>
+<p:sld xmlns:a="http://schemas.openxmlformats.org/drawingml/2006/main" xmlns:r="http://schemas.openxmlformats.org/officeDocument/2006/relationships" xmlns:p="http://schemas.openxmlformats.org/presentationml/2006/main">
+  <p:cSld>
+    <p:spTree>
+      <p:nvGrpSpPr>
+        <p:cNvPr id="1" name=""/>
+        <p:cNvGrpSpPr/>
+        <p:nvPr/>
+      </p:nvGrpSpPr>
+      <p:grpSpPr>
+        <a:xfrm>
+          <a:off x="0" y="0"/>
+          <a:ext cx="0" cy="0"/>
+          <a:chOff x="0" y="0"/>
+          <a:chExt cx="0" cy="0"/>
+        </a:xfrm>
+      </p:grpSpPr>
+      <p:sp>
+        <p:nvSpPr>
+          <p:cNvPr id="2" name="Title 1"/>
+          <p:cNvSpPr>
+            <a:spLocks noGrp="1"/>
+          </p:cNvSpPr>
+          <p:nvPr>
+            <p:ph type="title"/>
+          </p:nvPr>
+        </p:nvSpPr>
+        <p:spPr>
+          <a:xfrm>
+            <a:off x="252919" y="1123837"/>
+            <a:ext cx="2989044" cy="4601183"/>
+          </a:xfrm>
+        </p:spPr>
+        <p:txBody>
+          <a:bodyPr/>
+          <a:lstStyle/>
+          <a:p>
+            <a:r>
+              <a:rPr lang="en-US" dirty="0"/>
+              <a:t>Symbolic Representation</a:t>
+            </a:r>
+          </a:p>
+        </p:txBody>
+      </p:sp>
+      <mc:AlternateContent xmlns:mc="http://schemas.openxmlformats.org/markup-compatibility/2006" xmlns:a14="http://schemas.microsoft.com/office/drawing/2010/main">
+        <mc:Choice Requires="a14">
           <p:sp>
             <p:nvSpPr>
               <p:cNvPr id="6" name="Content Placeholder 2">
@@ -12989,7 +13078,7 @@
             </p:txBody>
           </p:sp>
         </mc:Choice>
-        <mc:Fallback>
+        <mc:Fallback xmlns="">
           <p:sp>
             <p:nvSpPr>
               <p:cNvPr id="6" name="Content Placeholder 2">
@@ -13046,7 +13135,7 @@
 </p:sld>
 </file>
 
-<file path=ppt/slides/slide37.xml><?xml version="1.0" encoding="utf-8"?>
+<file path=ppt/slides/slide38.xml><?xml version="1.0" encoding="utf-8"?>
 <p:sld xmlns:a="http://schemas.openxmlformats.org/drawingml/2006/main" xmlns:r="http://schemas.openxmlformats.org/officeDocument/2006/relationships" xmlns:p="http://schemas.openxmlformats.org/presentationml/2006/main">
   <p:cSld>
     <p:spTree>
@@ -13090,8 +13179,8 @@
           </a:p>
         </p:txBody>
       </p:sp>
-      <mc:AlternateContent xmlns:mc="http://schemas.openxmlformats.org/markup-compatibility/2006">
-        <mc:Choice xmlns:a14="http://schemas.microsoft.com/office/drawing/2010/main" Requires="a14">
+      <mc:AlternateContent xmlns:mc="http://schemas.openxmlformats.org/markup-compatibility/2006" xmlns:a14="http://schemas.microsoft.com/office/drawing/2010/main">
+        <mc:Choice Requires="a14">
           <p:sp>
             <p:nvSpPr>
               <p:cNvPr id="6" name="Content Placeholder 2">
@@ -13777,7 +13866,7 @@
             </p:txBody>
           </p:sp>
         </mc:Choice>
-        <mc:Fallback>
+        <mc:Fallback xmlns="">
           <p:sp>
             <p:nvSpPr>
               <p:cNvPr id="6" name="Content Placeholder 2">
@@ -13834,7 +13923,7 @@
 </p:sld>
 </file>
 
-<file path=ppt/slides/slide38.xml><?xml version="1.0" encoding="utf-8"?>
+<file path=ppt/slides/slide39.xml><?xml version="1.0" encoding="utf-8"?>
 <p:sld xmlns:a="http://schemas.openxmlformats.org/drawingml/2006/main" xmlns:r="http://schemas.openxmlformats.org/officeDocument/2006/relationships" xmlns:p="http://schemas.openxmlformats.org/presentationml/2006/main">
   <p:cSld>
     <p:spTree>
@@ -13878,8 +13967,8 @@
           </a:p>
         </p:txBody>
       </p:sp>
-      <mc:AlternateContent xmlns:mc="http://schemas.openxmlformats.org/markup-compatibility/2006">
-        <mc:Choice xmlns:a14="http://schemas.microsoft.com/office/drawing/2010/main" Requires="a14">
+      <mc:AlternateContent xmlns:mc="http://schemas.openxmlformats.org/markup-compatibility/2006" xmlns:a14="http://schemas.microsoft.com/office/drawing/2010/main">
+        <mc:Choice Requires="a14">
           <p:sp>
             <p:nvSpPr>
               <p:cNvPr id="6" name="Content Placeholder 2">
@@ -14565,7 +14654,7 @@
             </p:txBody>
           </p:sp>
         </mc:Choice>
-        <mc:Fallback>
+        <mc:Fallback xmlns="">
           <p:sp>
             <p:nvSpPr>
               <p:cNvPr id="6" name="Content Placeholder 2">
@@ -17230,7 +17319,7 @@
           <p:cNvPr id="2" name="Title 1">
             <a:extLst>
               <a:ext uri="{FF2B5EF4-FFF2-40B4-BE49-F238E27FC236}">
-                <a16:creationId xmlns:a16="http://schemas.microsoft.com/office/drawing/2014/main" id="{B4FC2440-5A19-98D6-370E-25F8333364F2}"/>
+                <a16:creationId xmlns:a16="http://schemas.microsoft.com/office/drawing/2014/main" id="{582864AC-5049-3BB5-4EC9-FC62E80AF6D0}"/>
               </a:ext>
             </a:extLst>
           </p:cNvPr>
@@ -17248,17 +17337,17 @@
           <a:p>
             <a:r>
               <a:rPr lang="en-US" dirty="0"/>
-              <a:t>What You Will Learn &amp; Logistics </a:t>
-            </a:r>
-          </a:p>
-        </p:txBody>
-      </p:sp>
-      <p:sp>
-        <p:nvSpPr>
-          <p:cNvPr id="3" name="Text Placeholder 2">
+              <a:t>Who Are You?</a:t>
+            </a:r>
+          </a:p>
+        </p:txBody>
+      </p:sp>
+      <p:sp>
+        <p:nvSpPr>
+          <p:cNvPr id="3" name="Content Placeholder 2">
             <a:extLst>
               <a:ext uri="{FF2B5EF4-FFF2-40B4-BE49-F238E27FC236}">
-                <a16:creationId xmlns:a16="http://schemas.microsoft.com/office/drawing/2014/main" id="{5E113A61-3C39-B61C-6B39-4F616BBB0422}"/>
+                <a16:creationId xmlns:a16="http://schemas.microsoft.com/office/drawing/2014/main" id="{44987BA5-3E19-47E8-E063-2A2122F97892}"/>
               </a:ext>
             </a:extLst>
           </p:cNvPr>
@@ -17266,22 +17355,36 @@
             <a:spLocks noGrp="1"/>
           </p:cNvSpPr>
           <p:nvPr>
-            <p:ph type="body" idx="1"/>
-          </p:nvPr>
-        </p:nvSpPr>
-        <p:spPr/>
-        <p:txBody>
-          <a:bodyPr/>
-          <a:lstStyle/>
-          <a:p>
-            <a:endParaRPr lang="en-US"/>
+            <p:ph idx="1"/>
+          </p:nvPr>
+        </p:nvSpPr>
+        <p:spPr>
+          <a:xfrm>
+            <a:off x="3869268" y="762000"/>
+            <a:ext cx="7260695" cy="5881688"/>
+          </a:xfrm>
+        </p:spPr>
+        <p:txBody>
+          <a:bodyPr anchor="t">
+            <a:noAutofit/>
+          </a:bodyPr>
+          <a:lstStyle/>
+          <a:p>
+            <a:r>
+              <a:rPr lang="en-US" sz="2800" dirty="0"/>
+              <a:t>Name tags!</a:t>
+            </a:r>
+          </a:p>
+          <a:p>
+            <a:pPr lvl="1"/>
+            <a:endParaRPr lang="en-US" sz="2800" dirty="0"/>
           </a:p>
         </p:txBody>
       </p:sp>
     </p:spTree>
     <p:extLst>
       <p:ext uri="{BB962C8B-B14F-4D97-AF65-F5344CB8AC3E}">
-        <p14:creationId xmlns:p14="http://schemas.microsoft.com/office/powerpoint/2010/main" val="2450587430"/>
+        <p14:creationId xmlns:p14="http://schemas.microsoft.com/office/powerpoint/2010/main" val="3731992628"/>
       </p:ext>
     </p:extLst>
   </p:cSld>

--- a/slides/01-math-statements.pptx
+++ b/slides/01-math-statements.pptx
@@ -6622,9 +6622,10 @@
           <a:p>
             <a:pPr lvl="1"/>
             <a:r>
-              <a:rPr lang="en-US" sz="2800" dirty="0"/>
-              <a:t>Quizzes</a:t>
-            </a:r>
+              <a:rPr lang="en-US" sz="2800"/>
+              <a:t>Quizzes (on PLATO)</a:t>
+            </a:r>
+            <a:endParaRPr lang="en-US" sz="2800" dirty="0"/>
           </a:p>
           <a:p>
             <a:pPr lvl="2"/>
